--- a/ihpc-assignment-report-wy-V0-20210506.pptx
+++ b/ihpc-assignment-report-wy-V0-20210506.pptx
@@ -30627,6 +30627,238 @@
       </p:grpSpPr>
       <p:sp>
         <p:nvSpPr>
+          <p:cNvPr id="12" name="Rectangle 11"/>
+          <p:cNvSpPr/>
+          <p:nvPr/>
+        </p:nvSpPr>
+        <p:spPr>
+          <a:xfrm>
+            <a:off x="868186" y="593725"/>
+            <a:ext cx="7830899" cy="4462760"/>
+          </a:xfrm>
+          <a:prstGeom prst="rect">
+            <a:avLst/>
+          </a:prstGeom>
+        </p:spPr>
+        <p:txBody>
+          <a:bodyPr wrap="square">
+            <a:spAutoFit/>
+          </a:bodyPr>
+          <a:lstStyle/>
+          <a:p>
+            <a:pPr defTabSz="457200">
+              <a:defRPr/>
+            </a:pPr>
+            <a:r>
+              <a:rPr lang="en-US" sz="1400" b="1" dirty="0" smtClean="0">
+                <a:solidFill>
+                  <a:srgbClr val="006DB4"/>
+                </a:solidFill>
+                <a:cs typeface="Arial" panose="020B0604020202020204" pitchFamily="34" charset="0"/>
+              </a:rPr>
+              <a:t>Deep learning, an non-convex optimization problem</a:t>
+            </a:r>
+            <a:endParaRPr lang="en-US" sz="1400" dirty="0">
+              <a:solidFill>
+                <a:srgbClr val="006DB4"/>
+              </a:solidFill>
+              <a:cs typeface="Arial" panose="020B0604020202020204" pitchFamily="34" charset="0"/>
+            </a:endParaRPr>
+          </a:p>
+          <a:p>
+            <a:pPr marL="274320" indent="-274320">
+              <a:buFont typeface="Wingdings" panose="05000000000000000000" pitchFamily="2" charset="2"/>
+              <a:buChar char="§"/>
+            </a:pPr>
+            <a:r>
+              <a:rPr lang="en-US" sz="1400" dirty="0" smtClean="0"/>
+              <a:t>Learning objective is usually formulated as empirical risk minimization in a finite-sum form</a:t>
+            </a:r>
+          </a:p>
+          <a:p>
+            <a:pPr>
+              <a:spcBef>
+                <a:spcPts val="1800"/>
+              </a:spcBef>
+              <a:spcAft>
+                <a:spcPts val="1800"/>
+              </a:spcAft>
+            </a:pPr>
+            <a:r>
+              <a:rPr lang="en-US" sz="1400" dirty="0" smtClean="0"/>
+              <a:t>                                         where</a:t>
+            </a:r>
+            <a:endParaRPr lang="en-US" sz="1400" dirty="0"/>
+          </a:p>
+          <a:p>
+            <a:pPr marL="274320" indent="-274320">
+              <a:buFont typeface="Wingdings" panose="05000000000000000000" pitchFamily="2" charset="2"/>
+              <a:buChar char="§"/>
+            </a:pPr>
+            <a:r>
+              <a:rPr lang="en-US" sz="1400" dirty="0" smtClean="0"/>
+              <a:t>Distributed machine learning can be formulated as</a:t>
+            </a:r>
+          </a:p>
+          <a:p>
+            <a:pPr>
+              <a:spcBef>
+                <a:spcPts val="1800"/>
+              </a:spcBef>
+              <a:spcAft>
+                <a:spcPts val="1800"/>
+              </a:spcAft>
+            </a:pPr>
+            <a:r>
+              <a:rPr lang="en-US" sz="1400" dirty="0" smtClean="0"/>
+              <a:t>                                                     where                                                  and                     ,</a:t>
+            </a:r>
+            <a:endParaRPr lang="en-US" sz="1400" dirty="0"/>
+          </a:p>
+          <a:p>
+            <a:r>
+              <a:rPr lang="en-US" sz="1400" b="1" dirty="0" smtClean="0">
+                <a:solidFill>
+                  <a:srgbClr val="006DB4"/>
+                </a:solidFill>
+              </a:rPr>
+              <a:t>Federated learning (FL) especially focus on scenarios</a:t>
+            </a:r>
+            <a:endParaRPr lang="en-US" sz="1400" dirty="0" smtClean="0"/>
+          </a:p>
+          <a:p>
+            <a:pPr marL="274320" indent="-274320">
+              <a:buFont typeface="Wingdings" panose="05000000000000000000" pitchFamily="2" charset="2"/>
+              <a:buChar char="§"/>
+            </a:pPr>
+            <a:r>
+              <a:rPr lang="en-US" sz="1400" dirty="0"/>
+              <a:t>D</a:t>
+            </a:r>
+            <a:r>
+              <a:rPr lang="en-US" sz="1400" dirty="0" smtClean="0"/>
+              <a:t>ata can be accessed by each worker device/client is generated by the users of those devices.</a:t>
+            </a:r>
+          </a:p>
+          <a:p>
+            <a:pPr marL="274320" indent="-274320">
+              <a:buFont typeface="Wingdings" panose="05000000000000000000" pitchFamily="2" charset="2"/>
+              <a:buChar char="§"/>
+            </a:pPr>
+            <a:r>
+              <a:rPr lang="en-US" sz="1400" dirty="0" smtClean="0"/>
+              <a:t>Data can be added or delated by the device users during training, data never </a:t>
+            </a:r>
+            <a:r>
+              <a:rPr lang="en-US" sz="1400" dirty="0"/>
+              <a:t>leave the local </a:t>
+            </a:r>
+            <a:r>
+              <a:rPr lang="en-US" sz="1400" dirty="0" smtClean="0"/>
+              <a:t>device</a:t>
+            </a:r>
+            <a:r>
+              <a:rPr lang="en-US" sz="1400" dirty="0"/>
+              <a:t>.</a:t>
+            </a:r>
+            <a:endParaRPr lang="en-US" sz="1400" dirty="0" smtClean="0"/>
+          </a:p>
+          <a:p>
+            <a:pPr marL="274320" indent="-274320">
+              <a:buFont typeface="Wingdings" panose="05000000000000000000" pitchFamily="2" charset="2"/>
+              <a:buChar char="§"/>
+            </a:pPr>
+            <a:r>
+              <a:rPr lang="en-US" sz="1400" dirty="0" smtClean="0"/>
+              <a:t>Data generation rate can significantly differs from device to device due to variation in users’ activities</a:t>
+            </a:r>
+          </a:p>
+          <a:p>
+            <a:r>
+              <a:rPr lang="en-US" sz="1400" b="1" dirty="0" smtClean="0">
+                <a:solidFill>
+                  <a:srgbClr val="006DB4"/>
+                </a:solidFill>
+              </a:rPr>
+              <a:t>These setup leads FL to </a:t>
+            </a:r>
+          </a:p>
+          <a:p>
+            <a:pPr marL="274320" indent="-274320">
+              <a:buFont typeface="Wingdings" panose="05000000000000000000" pitchFamily="2" charset="2"/>
+              <a:buChar char="Ø"/>
+            </a:pPr>
+            <a:r>
+              <a:rPr lang="en-US" sz="1400" b="1" i="1" dirty="0" smtClean="0"/>
+              <a:t>Non-IID</a:t>
+            </a:r>
+            <a:r>
+              <a:rPr lang="en-US" sz="1400" dirty="0" smtClean="0"/>
+              <a:t> data distribution; and</a:t>
+            </a:r>
+          </a:p>
+          <a:p>
+            <a:pPr marL="274320" indent="-274320">
+              <a:buFont typeface="Wingdings" panose="05000000000000000000" pitchFamily="2" charset="2"/>
+              <a:buChar char="Ø"/>
+            </a:pPr>
+            <a:r>
+              <a:rPr lang="en-US" sz="1400" b="1" i="1" dirty="0" smtClean="0"/>
+              <a:t>Unbalanced</a:t>
+            </a:r>
+            <a:r>
+              <a:rPr lang="en-US" sz="1400" dirty="0" smtClean="0"/>
+              <a:t> amount of data.</a:t>
+            </a:r>
+          </a:p>
+          <a:p>
+            <a:r>
+              <a:rPr lang="en-US" sz="1400" b="1" dirty="0" smtClean="0">
+                <a:solidFill>
+                  <a:srgbClr val="006DB4"/>
+                </a:solidFill>
+              </a:rPr>
+              <a:t>Other key challenges of FL includes</a:t>
+            </a:r>
+          </a:p>
+          <a:p>
+            <a:pPr marL="274320" indent="-274320">
+              <a:buFont typeface="Wingdings" panose="05000000000000000000" pitchFamily="2" charset="2"/>
+              <a:buChar char="§"/>
+            </a:pPr>
+            <a:r>
+              <a:rPr lang="en-US" sz="1400" dirty="0"/>
+              <a:t>Privacy preserving</a:t>
+            </a:r>
+          </a:p>
+          <a:p>
+            <a:pPr marL="274320" indent="-274320">
+              <a:buFont typeface="Wingdings" panose="05000000000000000000" pitchFamily="2" charset="2"/>
+              <a:buChar char="§"/>
+            </a:pPr>
+            <a:r>
+              <a:rPr lang="en-US" sz="1400" dirty="0"/>
+              <a:t>Communication efficiency</a:t>
+            </a:r>
+          </a:p>
+          <a:p>
+            <a:pPr marL="274320" indent="-274320">
+              <a:buFont typeface="Wingdings" panose="05000000000000000000" pitchFamily="2" charset="2"/>
+              <a:buChar char="§"/>
+            </a:pPr>
+            <a:r>
+              <a:rPr lang="en-US" sz="1400" dirty="0"/>
+              <a:t>System </a:t>
+            </a:r>
+            <a:r>
+              <a:rPr lang="en-US" sz="1400" dirty="0" smtClean="0"/>
+              <a:t>heterogeneity</a:t>
+            </a:r>
+          </a:p>
+        </p:txBody>
+      </p:sp>
+      <p:sp>
+        <p:nvSpPr>
           <p:cNvPr id="2" name="Title 1">
             <a:extLst>
               <a:ext uri="{FF2B5EF4-FFF2-40B4-BE49-F238E27FC236}">
@@ -30652,12 +30884,716 @@
           <a:lstStyle/>
           <a:p>
             <a:r>
-              <a:rPr lang="en-US" dirty="0"/>
+              <a:rPr lang="en-US" b="1" dirty="0"/>
               <a:t>1. Federated learning – problem statement</a:t>
             </a:r>
           </a:p>
         </p:txBody>
       </p:sp>
+      <p:graphicFrame>
+        <p:nvGraphicFramePr>
+          <p:cNvPr id="4" name="Object 3"/>
+          <p:cNvGraphicFramePr>
+            <a:graphicFrameLocks noChangeAspect="1"/>
+          </p:cNvGraphicFramePr>
+          <p:nvPr>
+            <p:extLst>
+              <p:ext uri="{D42A27DB-BD31-4B8C-83A1-F6EECF244321}">
+                <p14:modId xmlns:p14="http://schemas.microsoft.com/office/powerpoint/2010/main" val="1098586159"/>
+              </p:ext>
+            </p:extLst>
+          </p:nvPr>
+        </p:nvGraphicFramePr>
+        <p:xfrm>
+          <a:off x="7018778" y="1051888"/>
+          <a:ext cx="1695060" cy="666360"/>
+        </p:xfrm>
+        <a:graphic>
+          <a:graphicData uri="http://schemas.openxmlformats.org/presentationml/2006/ole">
+            <mc:AlternateContent xmlns:mc="http://schemas.openxmlformats.org/markup-compatibility/2006">
+              <mc:Choice xmlns:v="urn:schemas-microsoft-com:vml" Requires="v">
+                <p:oleObj spid="_x0000_s1149" name="Equation" r:id="rId3" imgW="1130040" imgH="444240" progId="Equation.DSMT4">
+                  <p:embed/>
+                </p:oleObj>
+              </mc:Choice>
+              <mc:Fallback>
+                <p:oleObj name="Equation" r:id="rId3" imgW="1130040" imgH="444240" progId="Equation.DSMT4">
+                  <p:embed/>
+                  <p:pic>
+                    <p:nvPicPr>
+                      <p:cNvPr id="0" name=""/>
+                      <p:cNvPicPr/>
+                      <p:nvPr/>
+                    </p:nvPicPr>
+                    <p:blipFill>
+                      <a:blip r:embed="rId4"/>
+                      <a:stretch>
+                        <a:fillRect/>
+                      </a:stretch>
+                    </p:blipFill>
+                    <p:spPr>
+                      <a:xfrm>
+                        <a:off x="7018778" y="1051888"/>
+                        <a:ext cx="1695060" cy="666360"/>
+                      </a:xfrm>
+                      <a:prstGeom prst="rect">
+                        <a:avLst/>
+                      </a:prstGeom>
+                    </p:spPr>
+                  </p:pic>
+                </p:oleObj>
+              </mc:Fallback>
+            </mc:AlternateContent>
+          </a:graphicData>
+        </a:graphic>
+      </p:graphicFrame>
+      <p:graphicFrame>
+        <p:nvGraphicFramePr>
+          <p:cNvPr id="5" name="Object 4"/>
+          <p:cNvGraphicFramePr>
+            <a:graphicFrameLocks noChangeAspect="1"/>
+          </p:cNvGraphicFramePr>
+          <p:nvPr>
+            <p:extLst>
+              <p:ext uri="{D42A27DB-BD31-4B8C-83A1-F6EECF244321}">
+                <p14:modId xmlns:p14="http://schemas.microsoft.com/office/powerpoint/2010/main" val="1336375068"/>
+              </p:ext>
+            </p:extLst>
+          </p:nvPr>
+        </p:nvGraphicFramePr>
+        <p:xfrm>
+          <a:off x="5638800" y="273983"/>
+          <a:ext cx="1714500" cy="380700"/>
+        </p:xfrm>
+        <a:graphic>
+          <a:graphicData uri="http://schemas.openxmlformats.org/presentationml/2006/ole">
+            <mc:AlternateContent xmlns:mc="http://schemas.openxmlformats.org/markup-compatibility/2006">
+              <mc:Choice xmlns:v="urn:schemas-microsoft-com:vml" Requires="v">
+                <p:oleObj spid="_x0000_s1150" name="Equation" r:id="rId5" imgW="1143000" imgH="253800" progId="Equation.DSMT4">
+                  <p:embed/>
+                </p:oleObj>
+              </mc:Choice>
+              <mc:Fallback>
+                <p:oleObj name="Equation" r:id="rId5" imgW="1143000" imgH="253800" progId="Equation.DSMT4">
+                  <p:embed/>
+                  <p:pic>
+                    <p:nvPicPr>
+                      <p:cNvPr id="0" name=""/>
+                      <p:cNvPicPr/>
+                      <p:nvPr/>
+                    </p:nvPicPr>
+                    <p:blipFill>
+                      <a:blip r:embed="rId6"/>
+                      <a:stretch>
+                        <a:fillRect/>
+                      </a:stretch>
+                    </p:blipFill>
+                    <p:spPr>
+                      <a:xfrm>
+                        <a:off x="5638800" y="273983"/>
+                        <a:ext cx="1714500" cy="380700"/>
+                      </a:xfrm>
+                      <a:prstGeom prst="rect">
+                        <a:avLst/>
+                      </a:prstGeom>
+                    </p:spPr>
+                  </p:pic>
+                </p:oleObj>
+              </mc:Fallback>
+            </mc:AlternateContent>
+          </a:graphicData>
+        </a:graphic>
+      </p:graphicFrame>
+      <p:graphicFrame>
+        <p:nvGraphicFramePr>
+          <p:cNvPr id="10" name="Object 9"/>
+          <p:cNvGraphicFramePr>
+            <a:graphicFrameLocks noChangeAspect="1"/>
+          </p:cNvGraphicFramePr>
+          <p:nvPr>
+            <p:extLst>
+              <p:ext uri="{D42A27DB-BD31-4B8C-83A1-F6EECF244321}">
+                <p14:modId xmlns:p14="http://schemas.microsoft.com/office/powerpoint/2010/main" val="627187522"/>
+              </p:ext>
+            </p:extLst>
+          </p:nvPr>
+        </p:nvGraphicFramePr>
+        <p:xfrm>
+          <a:off x="7513958" y="94094"/>
+          <a:ext cx="704700" cy="628560"/>
+        </p:xfrm>
+        <a:graphic>
+          <a:graphicData uri="http://schemas.openxmlformats.org/presentationml/2006/ole">
+            <mc:AlternateContent xmlns:mc="http://schemas.openxmlformats.org/markup-compatibility/2006">
+              <mc:Choice xmlns:v="urn:schemas-microsoft-com:vml" Requires="v">
+                <p:oleObj spid="_x0000_s1151" name="Equation" r:id="rId7" imgW="469800" imgH="419040" progId="Equation.DSMT4">
+                  <p:embed/>
+                </p:oleObj>
+              </mc:Choice>
+              <mc:Fallback>
+                <p:oleObj name="Equation" r:id="rId7" imgW="469800" imgH="419040" progId="Equation.DSMT4">
+                  <p:embed/>
+                  <p:pic>
+                    <p:nvPicPr>
+                      <p:cNvPr id="0" name=""/>
+                      <p:cNvPicPr/>
+                      <p:nvPr/>
+                    </p:nvPicPr>
+                    <p:blipFill>
+                      <a:blip r:embed="rId8"/>
+                      <a:stretch>
+                        <a:fillRect/>
+                      </a:stretch>
+                    </p:blipFill>
+                    <p:spPr>
+                      <a:xfrm>
+                        <a:off x="7513958" y="94094"/>
+                        <a:ext cx="704700" cy="628560"/>
+                      </a:xfrm>
+                      <a:prstGeom prst="rect">
+                        <a:avLst/>
+                      </a:prstGeom>
+                    </p:spPr>
+                  </p:pic>
+                </p:oleObj>
+              </mc:Fallback>
+            </mc:AlternateContent>
+          </a:graphicData>
+        </a:graphic>
+      </p:graphicFrame>
+      <p:grpSp>
+        <p:nvGrpSpPr>
+          <p:cNvPr id="14" name="Group 13"/>
+          <p:cNvGrpSpPr>
+            <a:grpSpLocks/>
+          </p:cNvGrpSpPr>
+          <p:nvPr/>
+        </p:nvGrpSpPr>
+        <p:grpSpPr>
+          <a:xfrm>
+            <a:off x="1619196" y="1061063"/>
+            <a:ext cx="3651858" cy="666360"/>
+            <a:chOff x="2142237" y="1570637"/>
+            <a:chExt cx="3651858" cy="666360"/>
+          </a:xfrm>
+        </p:grpSpPr>
+        <p:graphicFrame>
+          <p:nvGraphicFramePr>
+            <p:cNvPr id="3" name="Object 2"/>
+            <p:cNvGraphicFramePr>
+              <a:graphicFrameLocks noChangeAspect="1"/>
+            </p:cNvGraphicFramePr>
+            <p:nvPr>
+              <p:extLst>
+                <p:ext uri="{D42A27DB-BD31-4B8C-83A1-F6EECF244321}">
+                  <p14:modId xmlns:p14="http://schemas.microsoft.com/office/powerpoint/2010/main" val="3789597951"/>
+                </p:ext>
+              </p:extLst>
+            </p:nvPr>
+          </p:nvGraphicFramePr>
+          <p:xfrm>
+            <a:off x="2142237" y="1744969"/>
+            <a:ext cx="914220" cy="456840"/>
+          </p:xfrm>
+          <a:graphic>
+            <a:graphicData uri="http://schemas.openxmlformats.org/presentationml/2006/ole">
+              <mc:AlternateContent xmlns:mc="http://schemas.openxmlformats.org/markup-compatibility/2006">
+                <mc:Choice xmlns:v="urn:schemas-microsoft-com:vml" Requires="v">
+                  <p:oleObj spid="_x0000_s1152" name="Equation" r:id="rId9" imgW="609480" imgH="304560" progId="Equation.DSMT4">
+                    <p:embed/>
+                  </p:oleObj>
+                </mc:Choice>
+                <mc:Fallback>
+                  <p:oleObj name="Equation" r:id="rId9" imgW="609480" imgH="304560" progId="Equation.DSMT4">
+                    <p:embed/>
+                    <p:pic>
+                      <p:nvPicPr>
+                        <p:cNvPr id="0" name=""/>
+                        <p:cNvPicPr/>
+                        <p:nvPr/>
+                      </p:nvPicPr>
+                      <p:blipFill>
+                        <a:blip r:embed="rId10"/>
+                        <a:stretch>
+                          <a:fillRect/>
+                        </a:stretch>
+                      </p:blipFill>
+                      <p:spPr>
+                        <a:xfrm>
+                          <a:off x="2142237" y="1744969"/>
+                          <a:ext cx="914220" cy="456840"/>
+                        </a:xfrm>
+                        <a:prstGeom prst="rect">
+                          <a:avLst/>
+                        </a:prstGeom>
+                      </p:spPr>
+                    </p:pic>
+                  </p:oleObj>
+                </mc:Fallback>
+              </mc:AlternateContent>
+            </a:graphicData>
+          </a:graphic>
+        </p:graphicFrame>
+        <p:graphicFrame>
+          <p:nvGraphicFramePr>
+            <p:cNvPr id="13" name="Object 12"/>
+            <p:cNvGraphicFramePr>
+              <a:graphicFrameLocks noChangeAspect="1"/>
+            </p:cNvGraphicFramePr>
+            <p:nvPr>
+              <p:extLst>
+                <p:ext uri="{D42A27DB-BD31-4B8C-83A1-F6EECF244321}">
+                  <p14:modId xmlns:p14="http://schemas.microsoft.com/office/powerpoint/2010/main" val="3495361950"/>
+                </p:ext>
+              </p:extLst>
+            </p:nvPr>
+          </p:nvGraphicFramePr>
+          <p:xfrm>
+            <a:off x="3622755" y="1570637"/>
+            <a:ext cx="2171340" cy="666360"/>
+          </p:xfrm>
+          <a:graphic>
+            <a:graphicData uri="http://schemas.openxmlformats.org/presentationml/2006/ole">
+              <mc:AlternateContent xmlns:mc="http://schemas.openxmlformats.org/markup-compatibility/2006">
+                <mc:Choice xmlns:v="urn:schemas-microsoft-com:vml" Requires="v">
+                  <p:oleObj spid="_x0000_s1153" name="Equation" r:id="rId11" imgW="1447560" imgH="444240" progId="Equation.DSMT4">
+                    <p:embed/>
+                  </p:oleObj>
+                </mc:Choice>
+                <mc:Fallback>
+                  <p:oleObj name="Equation" r:id="rId11" imgW="1447560" imgH="444240" progId="Equation.DSMT4">
+                    <p:embed/>
+                    <p:pic>
+                      <p:nvPicPr>
+                        <p:cNvPr id="0" name=""/>
+                        <p:cNvPicPr/>
+                        <p:nvPr/>
+                      </p:nvPicPr>
+                      <p:blipFill>
+                        <a:blip r:embed="rId12"/>
+                        <a:stretch>
+                          <a:fillRect/>
+                        </a:stretch>
+                      </p:blipFill>
+                      <p:spPr>
+                        <a:xfrm>
+                          <a:off x="3622755" y="1570637"/>
+                          <a:ext cx="2171340" cy="666360"/>
+                        </a:xfrm>
+                        <a:prstGeom prst="rect">
+                          <a:avLst/>
+                        </a:prstGeom>
+                      </p:spPr>
+                    </p:pic>
+                  </p:oleObj>
+                </mc:Fallback>
+              </mc:AlternateContent>
+            </a:graphicData>
+          </a:graphic>
+        </p:graphicFrame>
+      </p:grpSp>
+      <p:grpSp>
+        <p:nvGrpSpPr>
+          <p:cNvPr id="16" name="Group 15"/>
+          <p:cNvGrpSpPr/>
+          <p:nvPr/>
+        </p:nvGrpSpPr>
+        <p:grpSpPr>
+          <a:xfrm>
+            <a:off x="1257360" y="1940967"/>
+            <a:ext cx="6320810" cy="750113"/>
+            <a:chOff x="1257360" y="2643134"/>
+            <a:chExt cx="6320810" cy="750113"/>
+          </a:xfrm>
+        </p:grpSpPr>
+        <p:graphicFrame>
+          <p:nvGraphicFramePr>
+            <p:cNvPr id="6" name="Object 5"/>
+            <p:cNvGraphicFramePr>
+              <a:graphicFrameLocks noChangeAspect="1"/>
+            </p:cNvGraphicFramePr>
+            <p:nvPr>
+              <p:extLst>
+                <p:ext uri="{D42A27DB-BD31-4B8C-83A1-F6EECF244321}">
+                  <p14:modId xmlns:p14="http://schemas.microsoft.com/office/powerpoint/2010/main" val="320382961"/>
+                </p:ext>
+              </p:extLst>
+            </p:nvPr>
+          </p:nvGraphicFramePr>
+          <p:xfrm>
+            <a:off x="1257360" y="2670565"/>
+            <a:ext cx="1790640" cy="666360"/>
+          </p:xfrm>
+          <a:graphic>
+            <a:graphicData uri="http://schemas.openxmlformats.org/presentationml/2006/ole">
+              <mc:AlternateContent xmlns:mc="http://schemas.openxmlformats.org/markup-compatibility/2006">
+                <mc:Choice xmlns:v="urn:schemas-microsoft-com:vml" Requires="v">
+                  <p:oleObj spid="_x0000_s1154" name="Equation" r:id="rId13" imgW="1193760" imgH="444240" progId="Equation.DSMT4">
+                    <p:embed/>
+                  </p:oleObj>
+                </mc:Choice>
+                <mc:Fallback>
+                  <p:oleObj name="Equation" r:id="rId13" imgW="1193760" imgH="444240" progId="Equation.DSMT4">
+                    <p:embed/>
+                    <p:pic>
+                      <p:nvPicPr>
+                        <p:cNvPr id="0" name=""/>
+                        <p:cNvPicPr/>
+                        <p:nvPr/>
+                      </p:nvPicPr>
+                      <p:blipFill>
+                        <a:blip r:embed="rId14"/>
+                        <a:stretch>
+                          <a:fillRect/>
+                        </a:stretch>
+                      </p:blipFill>
+                      <p:spPr>
+                        <a:xfrm>
+                          <a:off x="1257360" y="2670565"/>
+                          <a:ext cx="1790640" cy="666360"/>
+                        </a:xfrm>
+                        <a:prstGeom prst="rect">
+                          <a:avLst/>
+                        </a:prstGeom>
+                      </p:spPr>
+                    </p:pic>
+                  </p:oleObj>
+                </mc:Fallback>
+              </mc:AlternateContent>
+            </a:graphicData>
+          </a:graphic>
+        </p:graphicFrame>
+        <p:graphicFrame>
+          <p:nvGraphicFramePr>
+            <p:cNvPr id="7" name="Object 6"/>
+            <p:cNvGraphicFramePr>
+              <a:graphicFrameLocks noChangeAspect="1"/>
+            </p:cNvGraphicFramePr>
+            <p:nvPr>
+              <p:extLst>
+                <p:ext uri="{D42A27DB-BD31-4B8C-83A1-F6EECF244321}">
+                  <p14:modId xmlns:p14="http://schemas.microsoft.com/office/powerpoint/2010/main" val="242624647"/>
+                </p:ext>
+              </p:extLst>
+            </p:nvPr>
+          </p:nvGraphicFramePr>
+          <p:xfrm>
+            <a:off x="5810760" y="2643134"/>
+            <a:ext cx="818640" cy="647460"/>
+          </p:xfrm>
+          <a:graphic>
+            <a:graphicData uri="http://schemas.openxmlformats.org/presentationml/2006/ole">
+              <mc:AlternateContent xmlns:mc="http://schemas.openxmlformats.org/markup-compatibility/2006">
+                <mc:Choice xmlns:v="urn:schemas-microsoft-com:vml" Requires="v">
+                  <p:oleObj spid="_x0000_s1155" name="Equation" r:id="rId15" imgW="545760" imgH="431640" progId="Equation.DSMT4">
+                    <p:embed/>
+                  </p:oleObj>
+                </mc:Choice>
+                <mc:Fallback>
+                  <p:oleObj name="Equation" r:id="rId15" imgW="545760" imgH="431640" progId="Equation.DSMT4">
+                    <p:embed/>
+                    <p:pic>
+                      <p:nvPicPr>
+                        <p:cNvPr id="0" name=""/>
+                        <p:cNvPicPr/>
+                        <p:nvPr/>
+                      </p:nvPicPr>
+                      <p:blipFill>
+                        <a:blip r:embed="rId16"/>
+                        <a:stretch>
+                          <a:fillRect/>
+                        </a:stretch>
+                      </p:blipFill>
+                      <p:spPr>
+                        <a:xfrm>
+                          <a:off x="5810760" y="2643134"/>
+                          <a:ext cx="818640" cy="647460"/>
+                        </a:xfrm>
+                        <a:prstGeom prst="rect">
+                          <a:avLst/>
+                        </a:prstGeom>
+                      </p:spPr>
+                    </p:pic>
+                  </p:oleObj>
+                </mc:Fallback>
+              </mc:AlternateContent>
+            </a:graphicData>
+          </a:graphic>
+        </p:graphicFrame>
+        <p:graphicFrame>
+          <p:nvGraphicFramePr>
+            <p:cNvPr id="8" name="Object 7"/>
+            <p:cNvGraphicFramePr>
+              <a:graphicFrameLocks noChangeAspect="1"/>
+            </p:cNvGraphicFramePr>
+            <p:nvPr>
+              <p:extLst>
+                <p:ext uri="{D42A27DB-BD31-4B8C-83A1-F6EECF244321}">
+                  <p14:modId xmlns:p14="http://schemas.microsoft.com/office/powerpoint/2010/main" val="129171745"/>
+                </p:ext>
+              </p:extLst>
+            </p:nvPr>
+          </p:nvGraphicFramePr>
+          <p:xfrm>
+            <a:off x="3571461" y="2669647"/>
+            <a:ext cx="1904580" cy="723600"/>
+          </p:xfrm>
+          <a:graphic>
+            <a:graphicData uri="http://schemas.openxmlformats.org/presentationml/2006/ole">
+              <mc:AlternateContent xmlns:mc="http://schemas.openxmlformats.org/markup-compatibility/2006">
+                <mc:Choice xmlns:v="urn:schemas-microsoft-com:vml" Requires="v">
+                  <p:oleObj spid="_x0000_s1156" name="Equation" r:id="rId17" imgW="1269720" imgH="482400" progId="Equation.DSMT4">
+                    <p:embed/>
+                  </p:oleObj>
+                </mc:Choice>
+                <mc:Fallback>
+                  <p:oleObj name="Equation" r:id="rId17" imgW="1269720" imgH="482400" progId="Equation.DSMT4">
+                    <p:embed/>
+                    <p:pic>
+                      <p:nvPicPr>
+                        <p:cNvPr id="0" name=""/>
+                        <p:cNvPicPr/>
+                        <p:nvPr/>
+                      </p:nvPicPr>
+                      <p:blipFill>
+                        <a:blip r:embed="rId18"/>
+                        <a:stretch>
+                          <a:fillRect/>
+                        </a:stretch>
+                      </p:blipFill>
+                      <p:spPr>
+                        <a:xfrm>
+                          <a:off x="3571461" y="2669647"/>
+                          <a:ext cx="1904580" cy="723600"/>
+                        </a:xfrm>
+                        <a:prstGeom prst="rect">
+                          <a:avLst/>
+                        </a:prstGeom>
+                      </p:spPr>
+                    </p:pic>
+                  </p:oleObj>
+                </mc:Fallback>
+              </mc:AlternateContent>
+            </a:graphicData>
+          </a:graphic>
+        </p:graphicFrame>
+        <p:graphicFrame>
+          <p:nvGraphicFramePr>
+            <p:cNvPr id="15" name="Object 14"/>
+            <p:cNvGraphicFramePr>
+              <a:graphicFrameLocks noChangeAspect="1"/>
+            </p:cNvGraphicFramePr>
+            <p:nvPr>
+              <p:extLst>
+                <p:ext uri="{D42A27DB-BD31-4B8C-83A1-F6EECF244321}">
+                  <p14:modId xmlns:p14="http://schemas.microsoft.com/office/powerpoint/2010/main" val="552554701"/>
+                </p:ext>
+              </p:extLst>
+            </p:nvPr>
+          </p:nvGraphicFramePr>
+          <p:xfrm>
+            <a:off x="6721190" y="2777020"/>
+            <a:ext cx="856980" cy="419040"/>
+          </p:xfrm>
+          <a:graphic>
+            <a:graphicData uri="http://schemas.openxmlformats.org/presentationml/2006/ole">
+              <mc:AlternateContent xmlns:mc="http://schemas.openxmlformats.org/markup-compatibility/2006">
+                <mc:Choice xmlns:v="urn:schemas-microsoft-com:vml" Requires="v">
+                  <p:oleObj spid="_x0000_s1157" name="Equation" r:id="rId19" imgW="571320" imgH="279360" progId="Equation.DSMT4">
+                    <p:embed/>
+                  </p:oleObj>
+                </mc:Choice>
+                <mc:Fallback>
+                  <p:oleObj name="Equation" r:id="rId19" imgW="571320" imgH="279360" progId="Equation.DSMT4">
+                    <p:embed/>
+                    <p:pic>
+                      <p:nvPicPr>
+                        <p:cNvPr id="0" name=""/>
+                        <p:cNvPicPr/>
+                        <p:nvPr/>
+                      </p:nvPicPr>
+                      <p:blipFill>
+                        <a:blip r:embed="rId20"/>
+                        <a:stretch>
+                          <a:fillRect/>
+                        </a:stretch>
+                      </p:blipFill>
+                      <p:spPr>
+                        <a:xfrm>
+                          <a:off x="6721190" y="2777020"/>
+                          <a:ext cx="856980" cy="419040"/>
+                        </a:xfrm>
+                        <a:prstGeom prst="rect">
+                          <a:avLst/>
+                        </a:prstGeom>
+                      </p:spPr>
+                    </p:pic>
+                  </p:oleObj>
+                </mc:Fallback>
+              </mc:AlternateContent>
+            </a:graphicData>
+          </a:graphic>
+        </p:graphicFrame>
+      </p:grpSp>
+      <p:grpSp>
+        <p:nvGrpSpPr>
+          <p:cNvPr id="19" name="Group 18"/>
+          <p:cNvGrpSpPr/>
+          <p:nvPr/>
+        </p:nvGrpSpPr>
+        <p:grpSpPr>
+          <a:xfrm>
+            <a:off x="3761541" y="3684227"/>
+            <a:ext cx="4727784" cy="434611"/>
+            <a:chOff x="3761541" y="3852994"/>
+            <a:chExt cx="4727784" cy="434611"/>
+          </a:xfrm>
+        </p:grpSpPr>
+        <p:graphicFrame>
+          <p:nvGraphicFramePr>
+            <p:cNvPr id="9" name="Object 8"/>
+            <p:cNvGraphicFramePr>
+              <a:graphicFrameLocks noChangeAspect="1"/>
+            </p:cNvGraphicFramePr>
+            <p:nvPr>
+              <p:extLst>
+                <p:ext uri="{D42A27DB-BD31-4B8C-83A1-F6EECF244321}">
+                  <p14:modId xmlns:p14="http://schemas.microsoft.com/office/powerpoint/2010/main" val="3503391819"/>
+                </p:ext>
+              </p:extLst>
+            </p:nvPr>
+          </p:nvGraphicFramePr>
+          <p:xfrm>
+            <a:off x="3761541" y="3868565"/>
+            <a:ext cx="1714500" cy="419040"/>
+          </p:xfrm>
+          <a:graphic>
+            <a:graphicData uri="http://schemas.openxmlformats.org/presentationml/2006/ole">
+              <mc:AlternateContent xmlns:mc="http://schemas.openxmlformats.org/markup-compatibility/2006">
+                <mc:Choice xmlns:v="urn:schemas-microsoft-com:vml" Requires="v">
+                  <p:oleObj spid="_x0000_s1158" name="Equation" r:id="rId21" imgW="1143000" imgH="279360" progId="Equation.DSMT4">
+                    <p:embed/>
+                  </p:oleObj>
+                </mc:Choice>
+                <mc:Fallback>
+                  <p:oleObj name="Equation" r:id="rId21" imgW="1143000" imgH="279360" progId="Equation.DSMT4">
+                    <p:embed/>
+                    <p:pic>
+                      <p:nvPicPr>
+                        <p:cNvPr id="0" name=""/>
+                        <p:cNvPicPr/>
+                        <p:nvPr/>
+                      </p:nvPicPr>
+                      <p:blipFill>
+                        <a:blip r:embed="rId22"/>
+                        <a:stretch>
+                          <a:fillRect/>
+                        </a:stretch>
+                      </p:blipFill>
+                      <p:spPr>
+                        <a:xfrm>
+                          <a:off x="3761541" y="3868565"/>
+                          <a:ext cx="1714500" cy="419040"/>
+                        </a:xfrm>
+                        <a:prstGeom prst="rect">
+                          <a:avLst/>
+                        </a:prstGeom>
+                      </p:spPr>
+                    </p:pic>
+                  </p:oleObj>
+                </mc:Fallback>
+              </mc:AlternateContent>
+            </a:graphicData>
+          </a:graphic>
+        </p:graphicFrame>
+        <p:graphicFrame>
+          <p:nvGraphicFramePr>
+            <p:cNvPr id="11" name="Object 10"/>
+            <p:cNvGraphicFramePr>
+              <a:graphicFrameLocks noChangeAspect="1"/>
+            </p:cNvGraphicFramePr>
+            <p:nvPr>
+              <p:extLst>
+                <p:ext uri="{D42A27DB-BD31-4B8C-83A1-F6EECF244321}">
+                  <p14:modId xmlns:p14="http://schemas.microsoft.com/office/powerpoint/2010/main" val="2825710703"/>
+                </p:ext>
+              </p:extLst>
+            </p:nvPr>
+          </p:nvGraphicFramePr>
+          <p:xfrm>
+            <a:off x="5962650" y="3852994"/>
+            <a:ext cx="742950" cy="381000"/>
+          </p:xfrm>
+          <a:graphic>
+            <a:graphicData uri="http://schemas.openxmlformats.org/presentationml/2006/ole">
+              <mc:AlternateContent xmlns:mc="http://schemas.openxmlformats.org/markup-compatibility/2006">
+                <mc:Choice xmlns:v="urn:schemas-microsoft-com:vml" Requires="v">
+                  <p:oleObj spid="_x0000_s1159" name="Equation" r:id="rId23" imgW="495000" imgH="253800" progId="Equation.DSMT4">
+                    <p:embed/>
+                  </p:oleObj>
+                </mc:Choice>
+                <mc:Fallback>
+                  <p:oleObj name="Equation" r:id="rId23" imgW="495000" imgH="253800" progId="Equation.DSMT4">
+                    <p:embed/>
+                    <p:pic>
+                      <p:nvPicPr>
+                        <p:cNvPr id="0" name=""/>
+                        <p:cNvPicPr/>
+                        <p:nvPr/>
+                      </p:nvPicPr>
+                      <p:blipFill>
+                        <a:blip r:embed="rId24"/>
+                        <a:stretch>
+                          <a:fillRect/>
+                        </a:stretch>
+                      </p:blipFill>
+                      <p:spPr>
+                        <a:xfrm>
+                          <a:off x="5962650" y="3852994"/>
+                          <a:ext cx="742950" cy="381000"/>
+                        </a:xfrm>
+                        <a:prstGeom prst="rect">
+                          <a:avLst/>
+                        </a:prstGeom>
+                      </p:spPr>
+                    </p:pic>
+                  </p:oleObj>
+                </mc:Fallback>
+              </mc:AlternateContent>
+            </a:graphicData>
+          </a:graphic>
+        </p:graphicFrame>
+        <p:sp>
+          <p:nvSpPr>
+            <p:cNvPr id="18" name="TextBox 17"/>
+            <p:cNvSpPr txBox="1"/>
+            <p:nvPr/>
+          </p:nvSpPr>
+          <p:spPr>
+            <a:xfrm>
+              <a:off x="5486400" y="3890203"/>
+              <a:ext cx="3002925" cy="307777"/>
+            </a:xfrm>
+            <a:prstGeom prst="rect">
+              <a:avLst/>
+            </a:prstGeom>
+            <a:noFill/>
+          </p:spPr>
+          <p:txBody>
+            <a:bodyPr wrap="square" rtlCol="0">
+              <a:spAutoFit/>
+            </a:bodyPr>
+            <a:lstStyle/>
+            <a:p>
+              <a:r>
+                <a:rPr lang="en-US" sz="1400" b="1" i="1" dirty="0" smtClean="0"/>
+                <a:t>and                      no longer holds for FL</a:t>
+              </a:r>
+              <a:endParaRPr lang="en-SG" sz="1400" b="1" i="1" dirty="0"/>
+            </a:p>
+          </p:txBody>
+        </p:sp>
+      </p:grpSp>
     </p:spTree>
     <p:extLst>
       <p:ext uri="{BB962C8B-B14F-4D97-AF65-F5344CB8AC3E}">
@@ -30690,6 +31626,56 @@
       </p:grpSpPr>
       <p:sp>
         <p:nvSpPr>
+          <p:cNvPr id="55" name="Rounded Rectangle 54"/>
+          <p:cNvSpPr/>
+          <p:nvPr/>
+        </p:nvSpPr>
+        <p:spPr>
+          <a:xfrm>
+            <a:off x="228599" y="3096027"/>
+            <a:ext cx="2091947" cy="1764898"/>
+          </a:xfrm>
+          <a:prstGeom prst="roundRect">
+            <a:avLst>
+              <a:gd name="adj" fmla="val 11452"/>
+            </a:avLst>
+          </a:prstGeom>
+          <a:noFill/>
+          <a:ln w="12700" cap="flat" cmpd="sng" algn="ctr">
+            <a:solidFill>
+              <a:schemeClr val="accent6"/>
+            </a:solidFill>
+            <a:prstDash val="dash"/>
+            <a:round/>
+            <a:headEnd type="none" w="med" len="med"/>
+            <a:tailEnd type="none" w="med" len="med"/>
+          </a:ln>
+        </p:spPr>
+        <p:style>
+          <a:lnRef idx="0">
+            <a:scrgbClr r="0" g="0" b="0"/>
+          </a:lnRef>
+          <a:fillRef idx="0">
+            <a:scrgbClr r="0" g="0" b="0"/>
+          </a:fillRef>
+          <a:effectRef idx="0">
+            <a:scrgbClr r="0" g="0" b="0"/>
+          </a:effectRef>
+          <a:fontRef idx="minor">
+            <a:schemeClr val="accent6"/>
+          </a:fontRef>
+        </p:style>
+        <p:txBody>
+          <a:bodyPr rtlCol="0" anchor="ctr"/>
+          <a:lstStyle/>
+          <a:p>
+            <a:pPr algn="ctr"/>
+            <a:endParaRPr lang="en-SG"/>
+          </a:p>
+        </p:txBody>
+      </p:sp>
+      <p:sp>
+        <p:nvSpPr>
           <p:cNvPr id="2" name="Title 1">
             <a:extLst>
               <a:ext uri="{FF2B5EF4-FFF2-40B4-BE49-F238E27FC236}">
@@ -30715,18 +31701,26 @@
           <a:lstStyle/>
           <a:p>
             <a:r>
-              <a:rPr lang="en-US" dirty="0"/>
-              <a:t>1. Federated learning – the algorithm</a:t>
+              <a:rPr lang="en-US" b="1" dirty="0"/>
+              <a:t>1. Federated learning – </a:t>
+            </a:r>
+            <a:r>
+              <a:rPr lang="en-US" b="1" dirty="0" smtClean="0"/>
+              <a:t>the paradigm and </a:t>
+            </a:r>
+            <a:r>
+              <a:rPr lang="en-US" b="1" dirty="0"/>
+              <a:t>algorithm</a:t>
             </a:r>
           </a:p>
         </p:txBody>
       </p:sp>
       <p:grpSp>
         <p:nvGrpSpPr>
-          <p:cNvPr id="3" name="Group 2">
+          <p:cNvPr id="9" name="Group 8">
             <a:extLst>
               <a:ext uri="{FF2B5EF4-FFF2-40B4-BE49-F238E27FC236}">
-                <a16:creationId xmlns:a16="http://schemas.microsoft.com/office/drawing/2014/main" id="{B1EE53B6-C9CB-41E0-8BD5-BAFE6BB08833}"/>
+                <a16:creationId xmlns:a16="http://schemas.microsoft.com/office/drawing/2014/main" id="{F7DDC27B-CD48-4445-9590-48490D67B61A}"/>
               </a:ext>
             </a:extLst>
           </p:cNvPr>
@@ -30735,12 +31729,232 @@
         </p:nvGrpSpPr>
         <p:grpSpPr>
           <a:xfrm>
-            <a:off x="1905000" y="3260725"/>
-            <a:ext cx="365309" cy="1045831"/>
-            <a:chOff x="8711459" y="762000"/>
-            <a:chExt cx="365309" cy="1045831"/>
+            <a:off x="1550138" y="714996"/>
+            <a:ext cx="1607707" cy="964876"/>
+            <a:chOff x="6195028" y="2600649"/>
+            <a:chExt cx="1607707" cy="964876"/>
           </a:xfrm>
         </p:grpSpPr>
+        <p:pic>
+          <p:nvPicPr>
+            <p:cNvPr id="10" name="Picture 9">
+              <a:extLst>
+                <a:ext uri="{FF2B5EF4-FFF2-40B4-BE49-F238E27FC236}">
+                  <a16:creationId xmlns:a16="http://schemas.microsoft.com/office/drawing/2014/main" id="{542D17B1-0EDC-44C1-ABF1-F38F361EE102}"/>
+                </a:ext>
+              </a:extLst>
+            </p:cNvPr>
+            <p:cNvPicPr>
+              <a:picLocks noChangeAspect="1"/>
+            </p:cNvPicPr>
+            <p:nvPr/>
+          </p:nvPicPr>
+          <p:blipFill>
+            <a:blip r:embed="rId2">
+              <a:extLst>
+                <a:ext uri="{28A0092B-C50C-407E-A947-70E740481C1C}">
+                  <a14:useLocalDpi xmlns:a14="http://schemas.microsoft.com/office/drawing/2010/main" val="0"/>
+                </a:ext>
+              </a:extLst>
+            </a:blip>
+            <a:stretch>
+              <a:fillRect/>
+            </a:stretch>
+          </p:blipFill>
+          <p:spPr>
+            <a:xfrm>
+              <a:off x="6629400" y="2895676"/>
+              <a:ext cx="669849" cy="669849"/>
+            </a:xfrm>
+            <a:prstGeom prst="rect">
+              <a:avLst/>
+            </a:prstGeom>
+          </p:spPr>
+        </p:pic>
+        <p:sp>
+          <p:nvSpPr>
+            <p:cNvPr id="11" name="TextBox 10">
+              <a:extLst>
+                <a:ext uri="{FF2B5EF4-FFF2-40B4-BE49-F238E27FC236}">
+                  <a16:creationId xmlns:a16="http://schemas.microsoft.com/office/drawing/2014/main" id="{42DFCB74-A57B-4F09-A79A-0E1E682BDF0D}"/>
+                </a:ext>
+              </a:extLst>
+            </p:cNvPr>
+            <p:cNvSpPr txBox="1"/>
+            <p:nvPr/>
+          </p:nvSpPr>
+          <p:spPr>
+            <a:xfrm flipH="1">
+              <a:off x="6195028" y="2600649"/>
+              <a:ext cx="1607707" cy="338554"/>
+            </a:xfrm>
+            <a:prstGeom prst="rect">
+              <a:avLst/>
+            </a:prstGeom>
+            <a:noFill/>
+          </p:spPr>
+          <p:txBody>
+            <a:bodyPr wrap="square" rtlCol="0">
+              <a:spAutoFit/>
+            </a:bodyPr>
+            <a:lstStyle/>
+            <a:p>
+              <a:pPr algn="ctr" defTabSz="457200">
+                <a:defRPr/>
+              </a:pPr>
+              <a:r>
+                <a:rPr lang="en-US" altLang="zh-CN" sz="1600" b="1" i="1" kern="0" dirty="0" smtClean="0">
+                  <a:latin typeface="Calibri" panose="020F0502020204030204" pitchFamily="34" charset="0"/>
+                </a:rPr>
+                <a:t>Cloud server</a:t>
+              </a:r>
+              <a:endParaRPr lang="en-US" sz="1600" b="1" i="1" kern="0" dirty="0">
+                <a:latin typeface="Calibri" panose="020F0502020204030204" pitchFamily="34" charset="0"/>
+              </a:endParaRPr>
+            </a:p>
+          </p:txBody>
+        </p:sp>
+      </p:grpSp>
+      <p:pic>
+        <p:nvPicPr>
+          <p:cNvPr id="14" name="Picture 8">
+            <a:extLst>
+              <a:ext uri="{FF2B5EF4-FFF2-40B4-BE49-F238E27FC236}">
+                <a16:creationId xmlns:a16="http://schemas.microsoft.com/office/drawing/2014/main" id="{02DF60C6-6F5B-4048-BFE8-2FE165237B6D}"/>
+              </a:ext>
+            </a:extLst>
+          </p:cNvPr>
+          <p:cNvPicPr>
+            <a:picLocks noChangeAspect="1" noChangeArrowheads="1"/>
+          </p:cNvPicPr>
+          <p:nvPr/>
+        </p:nvPicPr>
+        <p:blipFill>
+          <a:blip r:embed="rId3" cstate="print">
+            <a:extLst>
+              <a:ext uri="{28A0092B-C50C-407E-A947-70E740481C1C}">
+                <a14:useLocalDpi xmlns:a14="http://schemas.microsoft.com/office/drawing/2010/main" val="0"/>
+              </a:ext>
+            </a:extLst>
+          </a:blip>
+          <a:srcRect/>
+          <a:stretch>
+            <a:fillRect/>
+          </a:stretch>
+        </p:blipFill>
+        <p:spPr bwMode="auto">
+          <a:xfrm>
+            <a:off x="2113722" y="1679872"/>
+            <a:ext cx="438256" cy="438256"/>
+          </a:xfrm>
+          <a:prstGeom prst="rect">
+            <a:avLst/>
+          </a:prstGeom>
+          <a:noFill/>
+          <a:extLst>
+            <a:ext uri="{909E8E84-426E-40DD-AFC4-6F175D3DCCD1}">
+              <a14:hiddenFill xmlns:a14="http://schemas.microsoft.com/office/drawing/2010/main">
+                <a:solidFill>
+                  <a:srgbClr val="FFFFFF"/>
+                </a:solidFill>
+              </a14:hiddenFill>
+            </a:ext>
+          </a:extLst>
+        </p:spPr>
+      </p:pic>
+      <p:pic>
+        <p:nvPicPr>
+          <p:cNvPr id="17" name="Picture 16">
+            <a:extLst>
+              <a:ext uri="{FF2B5EF4-FFF2-40B4-BE49-F238E27FC236}">
+                <a16:creationId xmlns:a16="http://schemas.microsoft.com/office/drawing/2014/main" id="{45C9CD48-735D-4F69-8E98-5DEF96534669}"/>
+              </a:ext>
+            </a:extLst>
+          </p:cNvPr>
+          <p:cNvPicPr>
+            <a:picLocks noChangeAspect="1"/>
+          </p:cNvPicPr>
+          <p:nvPr/>
+        </p:nvPicPr>
+        <p:blipFill>
+          <a:blip r:embed="rId4">
+            <a:biLevel thresh="75000"/>
+          </a:blip>
+          <a:stretch>
+            <a:fillRect/>
+          </a:stretch>
+        </p:blipFill>
+        <p:spPr>
+          <a:xfrm>
+            <a:off x="766906" y="2292136"/>
+            <a:ext cx="292247" cy="206589"/>
+          </a:xfrm>
+          <a:prstGeom prst="rect">
+            <a:avLst/>
+          </a:prstGeom>
+        </p:spPr>
+      </p:pic>
+      <p:grpSp>
+        <p:nvGrpSpPr>
+          <p:cNvPr id="42" name="Group 41"/>
+          <p:cNvGrpSpPr/>
+          <p:nvPr/>
+        </p:nvGrpSpPr>
+        <p:grpSpPr>
+          <a:xfrm>
+            <a:off x="485598" y="3096027"/>
+            <a:ext cx="767775" cy="1688698"/>
+            <a:chOff x="485598" y="3096027"/>
+            <a:chExt cx="767775" cy="1688698"/>
+          </a:xfrm>
+        </p:grpSpPr>
+        <p:pic>
+          <p:nvPicPr>
+            <p:cNvPr id="16" name="Picture 15">
+              <a:extLst>
+                <a:ext uri="{FF2B5EF4-FFF2-40B4-BE49-F238E27FC236}">
+                  <a16:creationId xmlns:a16="http://schemas.microsoft.com/office/drawing/2014/main" id="{27FB7794-D08C-46C8-A86A-7069D06898BD}"/>
+                </a:ext>
+              </a:extLst>
+            </p:cNvPr>
+            <p:cNvPicPr>
+              <a:picLocks noChangeAspect="1"/>
+            </p:cNvPicPr>
+            <p:nvPr/>
+          </p:nvPicPr>
+          <p:blipFill>
+            <a:blip r:embed="rId5" cstate="print">
+              <a:clrChange>
+                <a:clrFrom>
+                  <a:srgbClr val="FFFFFF"/>
+                </a:clrFrom>
+                <a:clrTo>
+                  <a:srgbClr val="FFFFFF">
+                    <a:alpha val="0"/>
+                  </a:srgbClr>
+                </a:clrTo>
+              </a:clrChange>
+              <a:biLevel thresh="75000"/>
+              <a:extLst>
+                <a:ext uri="{28A0092B-C50C-407E-A947-70E740481C1C}">
+                  <a14:useLocalDpi xmlns:a14="http://schemas.microsoft.com/office/drawing/2010/main" val="0"/>
+                </a:ext>
+              </a:extLst>
+            </a:blip>
+            <a:stretch>
+              <a:fillRect/>
+            </a:stretch>
+          </p:blipFill>
+          <p:spPr>
+            <a:xfrm rot="16200000">
+              <a:off x="786481" y="3939859"/>
+              <a:ext cx="634454" cy="287695"/>
+            </a:xfrm>
+            <a:prstGeom prst="rect">
+              <a:avLst/>
+            </a:prstGeom>
+          </p:spPr>
+        </p:pic>
         <p:grpSp>
           <p:nvGrpSpPr>
             <p:cNvPr id="4" name="Group 3">
@@ -30757,8 +31971,8 @@
           </p:nvGrpSpPr>
           <p:grpSpPr>
             <a:xfrm>
-              <a:off x="8711460" y="1140211"/>
-              <a:ext cx="364157" cy="667620"/>
+              <a:off x="544494" y="3717925"/>
+              <a:ext cx="291325" cy="534095"/>
               <a:chOff x="2895600" y="1660525"/>
               <a:chExt cx="1371600" cy="2514600"/>
             </a:xfrm>
@@ -30943,10 +32157,10 @@
         </p:grpSp>
         <p:pic>
           <p:nvPicPr>
-            <p:cNvPr id="5" name="Picture 4">
+            <p:cNvPr id="15" name="Picture 14" descr="A close up of a logo&#10;&#10;Description automatically generated">
               <a:extLst>
                 <a:ext uri="{FF2B5EF4-FFF2-40B4-BE49-F238E27FC236}">
-                  <a16:creationId xmlns:a16="http://schemas.microsoft.com/office/drawing/2014/main" id="{45C9CD48-735D-4F69-8E98-5DEF96534669}"/>
+                  <a16:creationId xmlns:a16="http://schemas.microsoft.com/office/drawing/2014/main" id="{08DDDEEE-4712-45B2-9C7E-212AD8A5492D}"/>
                 </a:ext>
               </a:extLst>
             </p:cNvPr>
@@ -30956,60 +32170,7 @@
             <p:nvPr/>
           </p:nvPicPr>
           <p:blipFill>
-            <a:blip r:embed="rId2">
-              <a:biLevel thresh="75000"/>
-            </a:blip>
-            <a:stretch>
-              <a:fillRect/>
-            </a:stretch>
-          </p:blipFill>
-          <p:spPr>
-            <a:xfrm>
-              <a:off x="8711459" y="762000"/>
-              <a:ext cx="365309" cy="258236"/>
-            </a:xfrm>
-            <a:prstGeom prst="rect">
-              <a:avLst/>
-            </a:prstGeom>
-          </p:spPr>
-        </p:pic>
-      </p:grpSp>
-      <p:grpSp>
-        <p:nvGrpSpPr>
-          <p:cNvPr id="9" name="Group 8">
-            <a:extLst>
-              <a:ext uri="{FF2B5EF4-FFF2-40B4-BE49-F238E27FC236}">
-                <a16:creationId xmlns:a16="http://schemas.microsoft.com/office/drawing/2014/main" id="{F7DDC27B-CD48-4445-9590-48490D67B61A}"/>
-              </a:ext>
-            </a:extLst>
-          </p:cNvPr>
-          <p:cNvGrpSpPr/>
-          <p:nvPr/>
-        </p:nvGrpSpPr>
-        <p:grpSpPr>
-          <a:xfrm>
-            <a:off x="3657600" y="1203325"/>
-            <a:ext cx="1607707" cy="812476"/>
-            <a:chOff x="6126335" y="2753049"/>
-            <a:chExt cx="1607707" cy="812476"/>
-          </a:xfrm>
-        </p:grpSpPr>
-        <p:pic>
-          <p:nvPicPr>
-            <p:cNvPr id="10" name="Picture 9">
-              <a:extLst>
-                <a:ext uri="{FF2B5EF4-FFF2-40B4-BE49-F238E27FC236}">
-                  <a16:creationId xmlns:a16="http://schemas.microsoft.com/office/drawing/2014/main" id="{542D17B1-0EDC-44C1-ABF1-F38F361EE102}"/>
-                </a:ext>
-              </a:extLst>
-            </p:cNvPr>
-            <p:cNvPicPr>
-              <a:picLocks noChangeAspect="1"/>
-            </p:cNvPicPr>
-            <p:nvPr/>
-          </p:nvPicPr>
-          <p:blipFill>
-            <a:blip r:embed="rId3">
+            <a:blip r:embed="rId6" cstate="print">
               <a:extLst>
                 <a:ext uri="{28A0092B-C50C-407E-A947-70E740481C1C}">
                   <a14:useLocalDpi xmlns:a14="http://schemas.microsoft.com/office/drawing/2010/main" val="0"/>
@@ -31022,70 +32183,1043 @@
           </p:blipFill>
           <p:spPr>
             <a:xfrm>
-              <a:off x="6629400" y="2895676"/>
-              <a:ext cx="669849" cy="669849"/>
+              <a:off x="544503" y="4479925"/>
+              <a:ext cx="304800" cy="304800"/>
             </a:xfrm>
             <a:prstGeom prst="rect">
               <a:avLst/>
             </a:prstGeom>
           </p:spPr>
         </p:pic>
-        <p:sp>
-          <p:nvSpPr>
-            <p:cNvPr id="11" name="TextBox 10">
+        <p:grpSp>
+          <p:nvGrpSpPr>
+            <p:cNvPr id="18" name="Group 17"/>
+            <p:cNvGrpSpPr/>
+            <p:nvPr/>
+          </p:nvGrpSpPr>
+          <p:grpSpPr>
+            <a:xfrm>
+              <a:off x="485598" y="3096027"/>
+              <a:ext cx="767775" cy="469498"/>
+              <a:chOff x="1746825" y="3002060"/>
+              <a:chExt cx="767775" cy="469498"/>
+            </a:xfrm>
+          </p:grpSpPr>
+          <p:pic>
+            <p:nvPicPr>
+              <p:cNvPr id="13" name="Picture 12">
+                <a:extLst>
+                  <a:ext uri="{FF2B5EF4-FFF2-40B4-BE49-F238E27FC236}">
+                    <a16:creationId xmlns:a16="http://schemas.microsoft.com/office/drawing/2014/main" id="{68BA690A-65B7-439D-BBDC-D630D9DA0E66}"/>
+                  </a:ext>
+                </a:extLst>
+              </p:cNvPr>
+              <p:cNvPicPr>
+                <a:picLocks noChangeAspect="1"/>
+              </p:cNvPicPr>
+              <p:nvPr/>
+            </p:nvPicPr>
+            <p:blipFill>
+              <a:blip r:embed="rId7" cstate="print">
+                <a:duotone>
+                  <a:srgbClr val="E7E6E6">
+                    <a:shade val="45000"/>
+                    <a:satMod val="135000"/>
+                  </a:srgbClr>
+                  <a:prstClr val="white"/>
+                </a:duotone>
+                <a:extLst>
+                  <a:ext uri="{28A0092B-C50C-407E-A947-70E740481C1C}">
+                    <a14:useLocalDpi xmlns:a14="http://schemas.microsoft.com/office/drawing/2010/main" val="0"/>
+                  </a:ext>
+                </a:extLst>
+              </a:blip>
+              <a:stretch>
+                <a:fillRect/>
+              </a:stretch>
+            </p:blipFill>
+            <p:spPr>
+              <a:xfrm>
+                <a:off x="1746825" y="3002060"/>
+                <a:ext cx="448583" cy="469498"/>
+              </a:xfrm>
+              <a:prstGeom prst="rect">
+                <a:avLst/>
+              </a:prstGeom>
+            </p:spPr>
+          </p:pic>
+          <p:pic>
+            <p:nvPicPr>
+              <p:cNvPr id="12" name="Picture 11">
+                <a:extLst>
+                  <a:ext uri="{FF2B5EF4-FFF2-40B4-BE49-F238E27FC236}">
+                    <a16:creationId xmlns:a16="http://schemas.microsoft.com/office/drawing/2014/main" id="{B0F01AE8-8A06-4CD9-8BAC-53A2FA9DD9B5}"/>
+                  </a:ext>
+                </a:extLst>
+              </p:cNvPr>
+              <p:cNvPicPr>
+                <a:picLocks noChangeAspect="1"/>
+              </p:cNvPicPr>
+              <p:nvPr/>
+            </p:nvPicPr>
+            <p:blipFill>
+              <a:blip r:embed="rId8" cstate="print">
+                <a:extLst>
+                  <a:ext uri="{28A0092B-C50C-407E-A947-70E740481C1C}">
+                    <a14:useLocalDpi xmlns:a14="http://schemas.microsoft.com/office/drawing/2010/main" val="0"/>
+                  </a:ext>
+                </a:extLst>
+              </a:blip>
+              <a:stretch>
+                <a:fillRect/>
+              </a:stretch>
+            </p:blipFill>
+            <p:spPr>
+              <a:xfrm>
+                <a:off x="2252535" y="3133293"/>
+                <a:ext cx="262065" cy="262065"/>
+              </a:xfrm>
+              <a:prstGeom prst="rect">
+                <a:avLst/>
+              </a:prstGeom>
+            </p:spPr>
+          </p:pic>
+        </p:grpSp>
+      </p:grpSp>
+      <p:pic>
+        <p:nvPicPr>
+          <p:cNvPr id="19" name="Picture 18"/>
+          <p:cNvPicPr>
+            <a:picLocks noChangeAspect="1"/>
+          </p:cNvPicPr>
+          <p:nvPr/>
+        </p:nvPicPr>
+        <p:blipFill>
+          <a:blip r:embed="rId9"/>
+          <a:stretch>
+            <a:fillRect/>
+          </a:stretch>
+        </p:blipFill>
+        <p:spPr>
+          <a:xfrm>
+            <a:off x="4572000" y="1053550"/>
+            <a:ext cx="2335555" cy="2511480"/>
+          </a:xfrm>
+          <a:prstGeom prst="rect">
+            <a:avLst/>
+          </a:prstGeom>
+        </p:spPr>
+      </p:pic>
+      <p:grpSp>
+        <p:nvGrpSpPr>
+          <p:cNvPr id="43" name="Group 42"/>
+          <p:cNvGrpSpPr/>
+          <p:nvPr/>
+        </p:nvGrpSpPr>
+        <p:grpSpPr>
+          <a:xfrm>
+            <a:off x="1519273" y="3096027"/>
+            <a:ext cx="782878" cy="1688698"/>
+            <a:chOff x="1519273" y="3096027"/>
+            <a:chExt cx="782878" cy="1688698"/>
+          </a:xfrm>
+        </p:grpSpPr>
+        <p:grpSp>
+          <p:nvGrpSpPr>
+            <p:cNvPr id="23" name="Group 22">
               <a:extLst>
                 <a:ext uri="{FF2B5EF4-FFF2-40B4-BE49-F238E27FC236}">
-                  <a16:creationId xmlns:a16="http://schemas.microsoft.com/office/drawing/2014/main" id="{42DFCB74-A57B-4F09-A79A-0E1E682BDF0D}"/>
+                  <a16:creationId xmlns:a16="http://schemas.microsoft.com/office/drawing/2014/main" id="{2EBC4C5F-1DA7-4E0A-81F0-B3BE65881E02}"/>
                 </a:ext>
               </a:extLst>
             </p:cNvPr>
-            <p:cNvSpPr txBox="1"/>
+            <p:cNvGrpSpPr>
+              <a:grpSpLocks noChangeAspect="1"/>
+            </p:cNvGrpSpPr>
             <p:nvPr/>
-          </p:nvSpPr>
+          </p:nvGrpSpPr>
+          <p:grpSpPr>
+            <a:xfrm>
+              <a:off x="1578169" y="3717925"/>
+              <a:ext cx="291325" cy="534095"/>
+              <a:chOff x="2895600" y="1660525"/>
+              <a:chExt cx="1371600" cy="2514600"/>
+            </a:xfrm>
+          </p:grpSpPr>
+          <p:sp>
+            <p:nvSpPr>
+              <p:cNvPr id="28" name="Rounded Rectangle 30">
+                <a:extLst>
+                  <a:ext uri="{FF2B5EF4-FFF2-40B4-BE49-F238E27FC236}">
+                    <a16:creationId xmlns:a16="http://schemas.microsoft.com/office/drawing/2014/main" id="{35D5FDD4-3689-4F55-9117-FAA143E5E1F3}"/>
+                  </a:ext>
+                </a:extLst>
+              </p:cNvPr>
+              <p:cNvSpPr/>
+              <p:nvPr/>
+            </p:nvSpPr>
+            <p:spPr>
+              <a:xfrm>
+                <a:off x="2895600" y="1660525"/>
+                <a:ext cx="1371600" cy="2514600"/>
+              </a:xfrm>
+              <a:prstGeom prst="roundRect">
+                <a:avLst/>
+              </a:prstGeom>
+              <a:noFill/>
+              <a:ln>
+                <a:solidFill>
+                  <a:schemeClr val="tx1">
+                    <a:lumMod val="75000"/>
+                    <a:lumOff val="25000"/>
+                  </a:schemeClr>
+                </a:solidFill>
+              </a:ln>
+            </p:spPr>
+            <p:style>
+              <a:lnRef idx="2">
+                <a:schemeClr val="accent1">
+                  <a:shade val="50000"/>
+                </a:schemeClr>
+              </a:lnRef>
+              <a:fillRef idx="1">
+                <a:schemeClr val="accent1"/>
+              </a:fillRef>
+              <a:effectRef idx="0">
+                <a:schemeClr val="accent1"/>
+              </a:effectRef>
+              <a:fontRef idx="minor">
+                <a:schemeClr val="lt1"/>
+              </a:fontRef>
+            </p:style>
+            <p:txBody>
+              <a:bodyPr rtlCol="0" anchor="ctr"/>
+              <a:lstStyle/>
+              <a:p>
+                <a:pPr algn="ctr"/>
+                <a:endParaRPr lang="en-SG" sz="1200">
+                  <a:latin typeface="Arial" panose="020B0604020202020204" pitchFamily="34" charset="0"/>
+                  <a:cs typeface="Arial" panose="020B0604020202020204" pitchFamily="34" charset="0"/>
+                </a:endParaRPr>
+              </a:p>
+            </p:txBody>
+          </p:sp>
+          <p:sp>
+            <p:nvSpPr>
+              <p:cNvPr id="29" name="Rectangle 28">
+                <a:extLst>
+                  <a:ext uri="{FF2B5EF4-FFF2-40B4-BE49-F238E27FC236}">
+                    <a16:creationId xmlns:a16="http://schemas.microsoft.com/office/drawing/2014/main" id="{C4FD6EEE-EFA1-4499-940C-83B06CCF697A}"/>
+                  </a:ext>
+                </a:extLst>
+              </p:cNvPr>
+              <p:cNvSpPr/>
+              <p:nvPr/>
+            </p:nvSpPr>
+            <p:spPr>
+              <a:xfrm>
+                <a:off x="2971800" y="1889125"/>
+                <a:ext cx="1219200" cy="1828800"/>
+              </a:xfrm>
+              <a:prstGeom prst="rect">
+                <a:avLst/>
+              </a:prstGeom>
+              <a:solidFill>
+                <a:schemeClr val="bg1">
+                  <a:lumMod val="85000"/>
+                </a:schemeClr>
+              </a:solidFill>
+              <a:ln>
+                <a:noFill/>
+              </a:ln>
+            </p:spPr>
+            <p:style>
+              <a:lnRef idx="2">
+                <a:schemeClr val="accent1">
+                  <a:shade val="50000"/>
+                </a:schemeClr>
+              </a:lnRef>
+              <a:fillRef idx="1">
+                <a:schemeClr val="accent1"/>
+              </a:fillRef>
+              <a:effectRef idx="0">
+                <a:schemeClr val="accent1"/>
+              </a:effectRef>
+              <a:fontRef idx="minor">
+                <a:schemeClr val="lt1"/>
+              </a:fontRef>
+            </p:style>
+            <p:txBody>
+              <a:bodyPr rtlCol="0" anchor="ctr"/>
+              <a:lstStyle/>
+              <a:p>
+                <a:pPr algn="ctr"/>
+                <a:endParaRPr lang="en-SG" sz="1200">
+                  <a:latin typeface="Arial" panose="020B0604020202020204" pitchFamily="34" charset="0"/>
+                  <a:cs typeface="Arial" panose="020B0604020202020204" pitchFamily="34" charset="0"/>
+                </a:endParaRPr>
+              </a:p>
+            </p:txBody>
+          </p:sp>
+          <p:sp>
+            <p:nvSpPr>
+              <p:cNvPr id="30" name="Oval 29">
+                <a:extLst>
+                  <a:ext uri="{FF2B5EF4-FFF2-40B4-BE49-F238E27FC236}">
+                    <a16:creationId xmlns:a16="http://schemas.microsoft.com/office/drawing/2014/main" id="{BD11243F-EFBD-45A6-BEA4-453C870023E5}"/>
+                  </a:ext>
+                </a:extLst>
+              </p:cNvPr>
+              <p:cNvSpPr/>
+              <p:nvPr/>
+            </p:nvSpPr>
+            <p:spPr>
+              <a:xfrm>
+                <a:off x="3429000" y="3794125"/>
+                <a:ext cx="304800" cy="304800"/>
+              </a:xfrm>
+              <a:prstGeom prst="ellipse">
+                <a:avLst/>
+              </a:prstGeom>
+              <a:solidFill>
+                <a:schemeClr val="bg1">
+                  <a:lumMod val="75000"/>
+                </a:schemeClr>
+              </a:solidFill>
+              <a:ln>
+                <a:solidFill>
+                  <a:schemeClr val="tx1">
+                    <a:lumMod val="85000"/>
+                    <a:lumOff val="15000"/>
+                  </a:schemeClr>
+                </a:solidFill>
+              </a:ln>
+            </p:spPr>
+            <p:style>
+              <a:lnRef idx="2">
+                <a:schemeClr val="accent1">
+                  <a:shade val="50000"/>
+                </a:schemeClr>
+              </a:lnRef>
+              <a:fillRef idx="1">
+                <a:schemeClr val="accent1"/>
+              </a:fillRef>
+              <a:effectRef idx="0">
+                <a:schemeClr val="accent1"/>
+              </a:effectRef>
+              <a:fontRef idx="minor">
+                <a:schemeClr val="lt1"/>
+              </a:fontRef>
+            </p:style>
+            <p:txBody>
+              <a:bodyPr rtlCol="0" anchor="ctr"/>
+              <a:lstStyle/>
+              <a:p>
+                <a:pPr algn="ctr"/>
+                <a:endParaRPr lang="en-SG" sz="1200">
+                  <a:latin typeface="Arial" panose="020B0604020202020204" pitchFamily="34" charset="0"/>
+                  <a:cs typeface="Arial" panose="020B0604020202020204" pitchFamily="34" charset="0"/>
+                </a:endParaRPr>
+              </a:p>
+            </p:txBody>
+          </p:sp>
+        </p:grpSp>
+        <p:pic>
+          <p:nvPicPr>
+            <p:cNvPr id="24" name="Picture 23" descr="A close up of a logo&#10;&#10;Description automatically generated">
+              <a:extLst>
+                <a:ext uri="{FF2B5EF4-FFF2-40B4-BE49-F238E27FC236}">
+                  <a16:creationId xmlns:a16="http://schemas.microsoft.com/office/drawing/2014/main" id="{08DDDEEE-4712-45B2-9C7E-212AD8A5492D}"/>
+                </a:ext>
+              </a:extLst>
+            </p:cNvPr>
+            <p:cNvPicPr>
+              <a:picLocks noChangeAspect="1"/>
+            </p:cNvPicPr>
+            <p:nvPr/>
+          </p:nvPicPr>
+          <p:blipFill>
+            <a:blip r:embed="rId6" cstate="print">
+              <a:extLst>
+                <a:ext uri="{28A0092B-C50C-407E-A947-70E740481C1C}">
+                  <a14:useLocalDpi xmlns:a14="http://schemas.microsoft.com/office/drawing/2010/main" val="0"/>
+                </a:ext>
+              </a:extLst>
+            </a:blip>
+            <a:stretch>
+              <a:fillRect/>
+            </a:stretch>
+          </p:blipFill>
           <p:spPr>
-            <a:xfrm flipH="1">
-              <a:off x="6126335" y="2753049"/>
-              <a:ext cx="1607707" cy="261610"/>
+            <a:xfrm>
+              <a:off x="1600200" y="4479925"/>
+              <a:ext cx="304800" cy="304800"/>
             </a:xfrm>
             <a:prstGeom prst="rect">
               <a:avLst/>
             </a:prstGeom>
-            <a:noFill/>
           </p:spPr>
-          <p:txBody>
-            <a:bodyPr wrap="square" rtlCol="0">
-              <a:spAutoFit/>
-            </a:bodyPr>
-            <a:lstStyle/>
-            <a:p>
-              <a:pPr algn="ctr" defTabSz="457200">
-                <a:defRPr/>
-              </a:pPr>
-              <a:r>
-                <a:rPr lang="en-US" altLang="zh-CN" sz="1100" b="1" kern="0" dirty="0">
-                  <a:solidFill>
-                    <a:srgbClr val="C00000"/>
-                  </a:solidFill>
-                  <a:latin typeface="Calibri" panose="020F0502020204030204" pitchFamily="34" charset="0"/>
-                </a:rPr>
-                <a:t>Energy Control Centre</a:t>
-              </a:r>
-              <a:endParaRPr lang="en-US" sz="1100" b="1" kern="0" dirty="0">
+        </p:pic>
+        <p:grpSp>
+          <p:nvGrpSpPr>
+            <p:cNvPr id="25" name="Group 24"/>
+            <p:cNvGrpSpPr/>
+            <p:nvPr/>
+          </p:nvGrpSpPr>
+          <p:grpSpPr>
+            <a:xfrm>
+              <a:off x="1519273" y="3096027"/>
+              <a:ext cx="767775" cy="469498"/>
+              <a:chOff x="1746825" y="3002060"/>
+              <a:chExt cx="767775" cy="469498"/>
+            </a:xfrm>
+          </p:grpSpPr>
+          <p:pic>
+            <p:nvPicPr>
+              <p:cNvPr id="26" name="Picture 25">
+                <a:extLst>
+                  <a:ext uri="{FF2B5EF4-FFF2-40B4-BE49-F238E27FC236}">
+                    <a16:creationId xmlns:a16="http://schemas.microsoft.com/office/drawing/2014/main" id="{68BA690A-65B7-439D-BBDC-D630D9DA0E66}"/>
+                  </a:ext>
+                </a:extLst>
+              </p:cNvPr>
+              <p:cNvPicPr>
+                <a:picLocks noChangeAspect="1"/>
+              </p:cNvPicPr>
+              <p:nvPr/>
+            </p:nvPicPr>
+            <p:blipFill>
+              <a:blip r:embed="rId7" cstate="print">
+                <a:duotone>
+                  <a:srgbClr val="E7E6E6">
+                    <a:shade val="45000"/>
+                    <a:satMod val="135000"/>
+                  </a:srgbClr>
+                  <a:prstClr val="white"/>
+                </a:duotone>
+                <a:extLst>
+                  <a:ext uri="{28A0092B-C50C-407E-A947-70E740481C1C}">
+                    <a14:useLocalDpi xmlns:a14="http://schemas.microsoft.com/office/drawing/2010/main" val="0"/>
+                  </a:ext>
+                </a:extLst>
+              </a:blip>
+              <a:stretch>
+                <a:fillRect/>
+              </a:stretch>
+            </p:blipFill>
+            <p:spPr>
+              <a:xfrm>
+                <a:off x="1746825" y="3002060"/>
+                <a:ext cx="448583" cy="469498"/>
+              </a:xfrm>
+              <a:prstGeom prst="rect">
+                <a:avLst/>
+              </a:prstGeom>
+            </p:spPr>
+          </p:pic>
+          <p:pic>
+            <p:nvPicPr>
+              <p:cNvPr id="27" name="Picture 26">
+                <a:extLst>
+                  <a:ext uri="{FF2B5EF4-FFF2-40B4-BE49-F238E27FC236}">
+                    <a16:creationId xmlns:a16="http://schemas.microsoft.com/office/drawing/2014/main" id="{B0F01AE8-8A06-4CD9-8BAC-53A2FA9DD9B5}"/>
+                  </a:ext>
+                </a:extLst>
+              </p:cNvPr>
+              <p:cNvPicPr>
+                <a:picLocks noChangeAspect="1"/>
+              </p:cNvPicPr>
+              <p:nvPr/>
+            </p:nvPicPr>
+            <p:blipFill>
+              <a:blip r:embed="rId8" cstate="print">
+                <a:extLst>
+                  <a:ext uri="{28A0092B-C50C-407E-A947-70E740481C1C}">
+                    <a14:useLocalDpi xmlns:a14="http://schemas.microsoft.com/office/drawing/2010/main" val="0"/>
+                  </a:ext>
+                </a:extLst>
+              </a:blip>
+              <a:stretch>
+                <a:fillRect/>
+              </a:stretch>
+            </p:blipFill>
+            <p:spPr>
+              <a:xfrm>
+                <a:off x="2252535" y="3133293"/>
+                <a:ext cx="262065" cy="262065"/>
+              </a:xfrm>
+              <a:prstGeom prst="rect">
+                <a:avLst/>
+              </a:prstGeom>
+            </p:spPr>
+          </p:pic>
+        </p:grpSp>
+        <p:pic>
+          <p:nvPicPr>
+            <p:cNvPr id="40" name="Picture 39">
+              <a:extLst>
+                <a:ext uri="{FF2B5EF4-FFF2-40B4-BE49-F238E27FC236}">
+                  <a16:creationId xmlns:a16="http://schemas.microsoft.com/office/drawing/2014/main" id="{27FB7794-D08C-46C8-A86A-7069D06898BD}"/>
+                </a:ext>
+              </a:extLst>
+            </p:cNvPr>
+            <p:cNvPicPr>
+              <a:picLocks noChangeAspect="1"/>
+            </p:cNvPicPr>
+            <p:nvPr/>
+          </p:nvPicPr>
+          <p:blipFill>
+            <a:blip r:embed="rId5" cstate="print">
+              <a:clrChange>
+                <a:clrFrom>
+                  <a:srgbClr val="FFFFFF"/>
+                </a:clrFrom>
+                <a:clrTo>
+                  <a:srgbClr val="FFFFFF">
+                    <a:alpha val="0"/>
+                  </a:srgbClr>
+                </a:clrTo>
+              </a:clrChange>
+              <a:biLevel thresh="75000"/>
+              <a:extLst>
+                <a:ext uri="{28A0092B-C50C-407E-A947-70E740481C1C}">
+                  <a14:useLocalDpi xmlns:a14="http://schemas.microsoft.com/office/drawing/2010/main" val="0"/>
+                </a:ext>
+              </a:extLst>
+            </a:blip>
+            <a:stretch>
+              <a:fillRect/>
+            </a:stretch>
+          </p:blipFill>
+          <p:spPr>
+            <a:xfrm rot="16200000">
+              <a:off x="1841077" y="3939859"/>
+              <a:ext cx="634454" cy="287695"/>
+            </a:xfrm>
+            <a:prstGeom prst="rect">
+              <a:avLst/>
+            </a:prstGeom>
+          </p:spPr>
+        </p:pic>
+      </p:grpSp>
+      <p:grpSp>
+        <p:nvGrpSpPr>
+          <p:cNvPr id="44" name="Group 43"/>
+          <p:cNvGrpSpPr/>
+          <p:nvPr/>
+        </p:nvGrpSpPr>
+        <p:grpSpPr>
+          <a:xfrm>
+            <a:off x="3539555" y="3096027"/>
+            <a:ext cx="782865" cy="1688698"/>
+            <a:chOff x="3539555" y="3096027"/>
+            <a:chExt cx="782865" cy="1688698"/>
+          </a:xfrm>
+        </p:grpSpPr>
+        <p:grpSp>
+          <p:nvGrpSpPr>
+            <p:cNvPr id="32" name="Group 31">
+              <a:extLst>
+                <a:ext uri="{FF2B5EF4-FFF2-40B4-BE49-F238E27FC236}">
+                  <a16:creationId xmlns:a16="http://schemas.microsoft.com/office/drawing/2014/main" id="{2EBC4C5F-1DA7-4E0A-81F0-B3BE65881E02}"/>
+                </a:ext>
+              </a:extLst>
+            </p:cNvPr>
+            <p:cNvGrpSpPr>
+              <a:grpSpLocks noChangeAspect="1"/>
+            </p:cNvGrpSpPr>
+            <p:nvPr/>
+          </p:nvGrpSpPr>
+          <p:grpSpPr>
+            <a:xfrm>
+              <a:off x="3598451" y="3717925"/>
+              <a:ext cx="291325" cy="534095"/>
+              <a:chOff x="2895600" y="1660525"/>
+              <a:chExt cx="1371600" cy="2514600"/>
+            </a:xfrm>
+          </p:grpSpPr>
+          <p:sp>
+            <p:nvSpPr>
+              <p:cNvPr id="37" name="Rounded Rectangle 30">
+                <a:extLst>
+                  <a:ext uri="{FF2B5EF4-FFF2-40B4-BE49-F238E27FC236}">
+                    <a16:creationId xmlns:a16="http://schemas.microsoft.com/office/drawing/2014/main" id="{35D5FDD4-3689-4F55-9117-FAA143E5E1F3}"/>
+                  </a:ext>
+                </a:extLst>
+              </p:cNvPr>
+              <p:cNvSpPr/>
+              <p:nvPr/>
+            </p:nvSpPr>
+            <p:spPr>
+              <a:xfrm>
+                <a:off x="2895600" y="1660525"/>
+                <a:ext cx="1371600" cy="2514600"/>
+              </a:xfrm>
+              <a:prstGeom prst="roundRect">
+                <a:avLst/>
+              </a:prstGeom>
+              <a:noFill/>
+              <a:ln>
                 <a:solidFill>
-                  <a:srgbClr val="C00000"/>
+                  <a:schemeClr val="tx1">
+                    <a:lumMod val="75000"/>
+                    <a:lumOff val="25000"/>
+                  </a:schemeClr>
                 </a:solidFill>
-                <a:latin typeface="Calibri" panose="020F0502020204030204" pitchFamily="34" charset="0"/>
-              </a:endParaRPr>
-            </a:p>
-          </p:txBody>
-        </p:sp>
+              </a:ln>
+            </p:spPr>
+            <p:style>
+              <a:lnRef idx="2">
+                <a:schemeClr val="accent1">
+                  <a:shade val="50000"/>
+                </a:schemeClr>
+              </a:lnRef>
+              <a:fillRef idx="1">
+                <a:schemeClr val="accent1"/>
+              </a:fillRef>
+              <a:effectRef idx="0">
+                <a:schemeClr val="accent1"/>
+              </a:effectRef>
+              <a:fontRef idx="minor">
+                <a:schemeClr val="lt1"/>
+              </a:fontRef>
+            </p:style>
+            <p:txBody>
+              <a:bodyPr rtlCol="0" anchor="ctr"/>
+              <a:lstStyle/>
+              <a:p>
+                <a:pPr algn="ctr"/>
+                <a:endParaRPr lang="en-SG" sz="1200">
+                  <a:latin typeface="Arial" panose="020B0604020202020204" pitchFamily="34" charset="0"/>
+                  <a:cs typeface="Arial" panose="020B0604020202020204" pitchFamily="34" charset="0"/>
+                </a:endParaRPr>
+              </a:p>
+            </p:txBody>
+          </p:sp>
+          <p:sp>
+            <p:nvSpPr>
+              <p:cNvPr id="38" name="Rectangle 37">
+                <a:extLst>
+                  <a:ext uri="{FF2B5EF4-FFF2-40B4-BE49-F238E27FC236}">
+                    <a16:creationId xmlns:a16="http://schemas.microsoft.com/office/drawing/2014/main" id="{C4FD6EEE-EFA1-4499-940C-83B06CCF697A}"/>
+                  </a:ext>
+                </a:extLst>
+              </p:cNvPr>
+              <p:cNvSpPr/>
+              <p:nvPr/>
+            </p:nvSpPr>
+            <p:spPr>
+              <a:xfrm>
+                <a:off x="2971800" y="1889125"/>
+                <a:ext cx="1219200" cy="1828800"/>
+              </a:xfrm>
+              <a:prstGeom prst="rect">
+                <a:avLst/>
+              </a:prstGeom>
+              <a:solidFill>
+                <a:schemeClr val="bg1">
+                  <a:lumMod val="85000"/>
+                </a:schemeClr>
+              </a:solidFill>
+              <a:ln>
+                <a:noFill/>
+              </a:ln>
+            </p:spPr>
+            <p:style>
+              <a:lnRef idx="2">
+                <a:schemeClr val="accent1">
+                  <a:shade val="50000"/>
+                </a:schemeClr>
+              </a:lnRef>
+              <a:fillRef idx="1">
+                <a:schemeClr val="accent1"/>
+              </a:fillRef>
+              <a:effectRef idx="0">
+                <a:schemeClr val="accent1"/>
+              </a:effectRef>
+              <a:fontRef idx="minor">
+                <a:schemeClr val="lt1"/>
+              </a:fontRef>
+            </p:style>
+            <p:txBody>
+              <a:bodyPr rtlCol="0" anchor="ctr"/>
+              <a:lstStyle/>
+              <a:p>
+                <a:pPr algn="ctr"/>
+                <a:endParaRPr lang="en-SG" sz="1200">
+                  <a:latin typeface="Arial" panose="020B0604020202020204" pitchFamily="34" charset="0"/>
+                  <a:cs typeface="Arial" panose="020B0604020202020204" pitchFamily="34" charset="0"/>
+                </a:endParaRPr>
+              </a:p>
+            </p:txBody>
+          </p:sp>
+          <p:sp>
+            <p:nvSpPr>
+              <p:cNvPr id="39" name="Oval 38">
+                <a:extLst>
+                  <a:ext uri="{FF2B5EF4-FFF2-40B4-BE49-F238E27FC236}">
+                    <a16:creationId xmlns:a16="http://schemas.microsoft.com/office/drawing/2014/main" id="{BD11243F-EFBD-45A6-BEA4-453C870023E5}"/>
+                  </a:ext>
+                </a:extLst>
+              </p:cNvPr>
+              <p:cNvSpPr/>
+              <p:nvPr/>
+            </p:nvSpPr>
+            <p:spPr>
+              <a:xfrm>
+                <a:off x="3429000" y="3794125"/>
+                <a:ext cx="304800" cy="304800"/>
+              </a:xfrm>
+              <a:prstGeom prst="ellipse">
+                <a:avLst/>
+              </a:prstGeom>
+              <a:solidFill>
+                <a:schemeClr val="bg1">
+                  <a:lumMod val="75000"/>
+                </a:schemeClr>
+              </a:solidFill>
+              <a:ln>
+                <a:solidFill>
+                  <a:schemeClr val="tx1">
+                    <a:lumMod val="85000"/>
+                    <a:lumOff val="15000"/>
+                  </a:schemeClr>
+                </a:solidFill>
+              </a:ln>
+            </p:spPr>
+            <p:style>
+              <a:lnRef idx="2">
+                <a:schemeClr val="accent1">
+                  <a:shade val="50000"/>
+                </a:schemeClr>
+              </a:lnRef>
+              <a:fillRef idx="1">
+                <a:schemeClr val="accent1"/>
+              </a:fillRef>
+              <a:effectRef idx="0">
+                <a:schemeClr val="accent1"/>
+              </a:effectRef>
+              <a:fontRef idx="minor">
+                <a:schemeClr val="lt1"/>
+              </a:fontRef>
+            </p:style>
+            <p:txBody>
+              <a:bodyPr rtlCol="0" anchor="ctr"/>
+              <a:lstStyle/>
+              <a:p>
+                <a:pPr algn="ctr"/>
+                <a:endParaRPr lang="en-SG" sz="1200">
+                  <a:latin typeface="Arial" panose="020B0604020202020204" pitchFamily="34" charset="0"/>
+                  <a:cs typeface="Arial" panose="020B0604020202020204" pitchFamily="34" charset="0"/>
+                </a:endParaRPr>
+              </a:p>
+            </p:txBody>
+          </p:sp>
+        </p:grpSp>
+        <p:pic>
+          <p:nvPicPr>
+            <p:cNvPr id="33" name="Picture 32" descr="A close up of a logo&#10;&#10;Description automatically generated">
+              <a:extLst>
+                <a:ext uri="{FF2B5EF4-FFF2-40B4-BE49-F238E27FC236}">
+                  <a16:creationId xmlns:a16="http://schemas.microsoft.com/office/drawing/2014/main" id="{08DDDEEE-4712-45B2-9C7E-212AD8A5492D}"/>
+                </a:ext>
+              </a:extLst>
+            </p:cNvPr>
+            <p:cNvPicPr>
+              <a:picLocks noChangeAspect="1"/>
+            </p:cNvPicPr>
+            <p:nvPr/>
+          </p:nvPicPr>
+          <p:blipFill>
+            <a:blip r:embed="rId6" cstate="print">
+              <a:extLst>
+                <a:ext uri="{28A0092B-C50C-407E-A947-70E740481C1C}">
+                  <a14:useLocalDpi xmlns:a14="http://schemas.microsoft.com/office/drawing/2010/main" val="0"/>
+                </a:ext>
+              </a:extLst>
+            </a:blip>
+            <a:stretch>
+              <a:fillRect/>
+            </a:stretch>
+          </p:blipFill>
+          <p:spPr>
+            <a:xfrm>
+              <a:off x="3621156" y="4479925"/>
+              <a:ext cx="304800" cy="304800"/>
+            </a:xfrm>
+            <a:prstGeom prst="rect">
+              <a:avLst/>
+            </a:prstGeom>
+          </p:spPr>
+        </p:pic>
+        <p:grpSp>
+          <p:nvGrpSpPr>
+            <p:cNvPr id="34" name="Group 33"/>
+            <p:cNvGrpSpPr/>
+            <p:nvPr/>
+          </p:nvGrpSpPr>
+          <p:grpSpPr>
+            <a:xfrm>
+              <a:off x="3539555" y="3096027"/>
+              <a:ext cx="767775" cy="469498"/>
+              <a:chOff x="1746825" y="3002060"/>
+              <a:chExt cx="767775" cy="469498"/>
+            </a:xfrm>
+          </p:grpSpPr>
+          <p:pic>
+            <p:nvPicPr>
+              <p:cNvPr id="35" name="Picture 34">
+                <a:extLst>
+                  <a:ext uri="{FF2B5EF4-FFF2-40B4-BE49-F238E27FC236}">
+                    <a16:creationId xmlns:a16="http://schemas.microsoft.com/office/drawing/2014/main" id="{68BA690A-65B7-439D-BBDC-D630D9DA0E66}"/>
+                  </a:ext>
+                </a:extLst>
+              </p:cNvPr>
+              <p:cNvPicPr>
+                <a:picLocks noChangeAspect="1"/>
+              </p:cNvPicPr>
+              <p:nvPr/>
+            </p:nvPicPr>
+            <p:blipFill>
+              <a:blip r:embed="rId7" cstate="print">
+                <a:duotone>
+                  <a:srgbClr val="E7E6E6">
+                    <a:shade val="45000"/>
+                    <a:satMod val="135000"/>
+                  </a:srgbClr>
+                  <a:prstClr val="white"/>
+                </a:duotone>
+                <a:extLst>
+                  <a:ext uri="{28A0092B-C50C-407E-A947-70E740481C1C}">
+                    <a14:useLocalDpi xmlns:a14="http://schemas.microsoft.com/office/drawing/2010/main" val="0"/>
+                  </a:ext>
+                </a:extLst>
+              </a:blip>
+              <a:stretch>
+                <a:fillRect/>
+              </a:stretch>
+            </p:blipFill>
+            <p:spPr>
+              <a:xfrm>
+                <a:off x="1746825" y="3002060"/>
+                <a:ext cx="448583" cy="469498"/>
+              </a:xfrm>
+              <a:prstGeom prst="rect">
+                <a:avLst/>
+              </a:prstGeom>
+            </p:spPr>
+          </p:pic>
+          <p:pic>
+            <p:nvPicPr>
+              <p:cNvPr id="36" name="Picture 35">
+                <a:extLst>
+                  <a:ext uri="{FF2B5EF4-FFF2-40B4-BE49-F238E27FC236}">
+                    <a16:creationId xmlns:a16="http://schemas.microsoft.com/office/drawing/2014/main" id="{B0F01AE8-8A06-4CD9-8BAC-53A2FA9DD9B5}"/>
+                  </a:ext>
+                </a:extLst>
+              </p:cNvPr>
+              <p:cNvPicPr>
+                <a:picLocks noChangeAspect="1"/>
+              </p:cNvPicPr>
+              <p:nvPr/>
+            </p:nvPicPr>
+            <p:blipFill>
+              <a:blip r:embed="rId8" cstate="print">
+                <a:extLst>
+                  <a:ext uri="{28A0092B-C50C-407E-A947-70E740481C1C}">
+                    <a14:useLocalDpi xmlns:a14="http://schemas.microsoft.com/office/drawing/2010/main" val="0"/>
+                  </a:ext>
+                </a:extLst>
+              </a:blip>
+              <a:stretch>
+                <a:fillRect/>
+              </a:stretch>
+            </p:blipFill>
+            <p:spPr>
+              <a:xfrm>
+                <a:off x="2252535" y="3133293"/>
+                <a:ext cx="262065" cy="262065"/>
+              </a:xfrm>
+              <a:prstGeom prst="rect">
+                <a:avLst/>
+              </a:prstGeom>
+            </p:spPr>
+          </p:pic>
+        </p:grpSp>
+        <p:pic>
+          <p:nvPicPr>
+            <p:cNvPr id="41" name="Picture 40">
+              <a:extLst>
+                <a:ext uri="{FF2B5EF4-FFF2-40B4-BE49-F238E27FC236}">
+                  <a16:creationId xmlns:a16="http://schemas.microsoft.com/office/drawing/2014/main" id="{27FB7794-D08C-46C8-A86A-7069D06898BD}"/>
+                </a:ext>
+              </a:extLst>
+            </p:cNvPr>
+            <p:cNvPicPr>
+              <a:picLocks noChangeAspect="1"/>
+            </p:cNvPicPr>
+            <p:nvPr/>
+          </p:nvPicPr>
+          <p:blipFill>
+            <a:blip r:embed="rId5" cstate="print">
+              <a:clrChange>
+                <a:clrFrom>
+                  <a:srgbClr val="FFFFFF"/>
+                </a:clrFrom>
+                <a:clrTo>
+                  <a:srgbClr val="FFFFFF">
+                    <a:alpha val="0"/>
+                  </a:srgbClr>
+                </a:clrTo>
+              </a:clrChange>
+              <a:biLevel thresh="75000"/>
+              <a:extLst>
+                <a:ext uri="{28A0092B-C50C-407E-A947-70E740481C1C}">
+                  <a14:useLocalDpi xmlns:a14="http://schemas.microsoft.com/office/drawing/2010/main" val="0"/>
+                </a:ext>
+              </a:extLst>
+            </a:blip>
+            <a:stretch>
+              <a:fillRect/>
+            </a:stretch>
+          </p:blipFill>
+          <p:spPr>
+            <a:xfrm rot="16200000">
+              <a:off x="3861346" y="3942650"/>
+              <a:ext cx="634454" cy="287695"/>
+            </a:xfrm>
+            <a:prstGeom prst="rect">
+              <a:avLst/>
+            </a:prstGeom>
+          </p:spPr>
+        </p:pic>
       </p:grpSp>
+      <p:cxnSp>
+        <p:nvCxnSpPr>
+          <p:cNvPr id="46" name="Elbow Connector 45"/>
+          <p:cNvCxnSpPr>
+            <a:stCxn id="13" idx="0"/>
+            <a:endCxn id="10" idx="1"/>
+          </p:cNvCxnSpPr>
+          <p:nvPr/>
+        </p:nvCxnSpPr>
+        <p:spPr>
+          <a:xfrm rot="5400000" flipH="1" flipV="1">
+            <a:off x="471661" y="1583178"/>
+            <a:ext cx="1751079" cy="1274620"/>
+          </a:xfrm>
+          <a:prstGeom prst="bentConnector2">
+            <a:avLst/>
+          </a:prstGeom>
+          <a:ln w="19050">
+            <a:solidFill>
+              <a:srgbClr val="006DB4"/>
+            </a:solidFill>
+            <a:headEnd type="arrow"/>
+            <a:tailEnd type="arrow"/>
+          </a:ln>
+        </p:spPr>
+        <p:style>
+          <a:lnRef idx="1">
+            <a:schemeClr val="accent1"/>
+          </a:lnRef>
+          <a:fillRef idx="0">
+            <a:schemeClr val="accent1"/>
+          </a:fillRef>
+          <a:effectRef idx="0">
+            <a:schemeClr val="accent1"/>
+          </a:effectRef>
+          <a:fontRef idx="minor">
+            <a:schemeClr val="tx1"/>
+          </a:fontRef>
+        </p:style>
+      </p:cxnSp>
+      <p:cxnSp>
+        <p:nvCxnSpPr>
+          <p:cNvPr id="48" name="Elbow Connector 47"/>
+          <p:cNvCxnSpPr>
+            <a:stCxn id="26" idx="0"/>
+            <a:endCxn id="10" idx="1"/>
+          </p:cNvCxnSpPr>
+          <p:nvPr/>
+        </p:nvCxnSpPr>
+        <p:spPr>
+          <a:xfrm rot="5400000" flipH="1" flipV="1">
+            <a:off x="988498" y="2100016"/>
+            <a:ext cx="1751079" cy="240945"/>
+          </a:xfrm>
+          <a:prstGeom prst="bentConnector2">
+            <a:avLst/>
+          </a:prstGeom>
+          <a:ln w="19050">
+            <a:solidFill>
+              <a:srgbClr val="006DB4"/>
+            </a:solidFill>
+            <a:headEnd type="arrow"/>
+            <a:tailEnd type="arrow"/>
+          </a:ln>
+        </p:spPr>
+        <p:style>
+          <a:lnRef idx="1">
+            <a:schemeClr val="accent1"/>
+          </a:lnRef>
+          <a:fillRef idx="0">
+            <a:schemeClr val="accent1"/>
+          </a:fillRef>
+          <a:effectRef idx="0">
+            <a:schemeClr val="accent1"/>
+          </a:effectRef>
+          <a:fontRef idx="minor">
+            <a:schemeClr val="tx1"/>
+          </a:fontRef>
+        </p:style>
+      </p:cxnSp>
+      <p:cxnSp>
+        <p:nvCxnSpPr>
+          <p:cNvPr id="50" name="Elbow Connector 49"/>
+          <p:cNvCxnSpPr>
+            <a:stCxn id="35" idx="0"/>
+            <a:endCxn id="10" idx="3"/>
+          </p:cNvCxnSpPr>
+          <p:nvPr/>
+        </p:nvCxnSpPr>
+        <p:spPr>
+          <a:xfrm rot="16200000" flipV="1">
+            <a:off x="2333564" y="1665744"/>
+            <a:ext cx="1751079" cy="1109488"/>
+          </a:xfrm>
+          <a:prstGeom prst="bentConnector2">
+            <a:avLst/>
+          </a:prstGeom>
+          <a:ln w="19050">
+            <a:solidFill>
+              <a:srgbClr val="006DB4"/>
+            </a:solidFill>
+            <a:headEnd type="arrow"/>
+            <a:tailEnd type="arrow"/>
+          </a:ln>
+        </p:spPr>
+        <p:style>
+          <a:lnRef idx="1">
+            <a:schemeClr val="accent1"/>
+          </a:lnRef>
+          <a:fillRef idx="0">
+            <a:schemeClr val="accent1"/>
+          </a:fillRef>
+          <a:effectRef idx="0">
+            <a:schemeClr val="accent1"/>
+          </a:effectRef>
+          <a:fontRef idx="minor">
+            <a:schemeClr val="tx1"/>
+          </a:fontRef>
+        </p:style>
+      </p:cxnSp>
       <p:pic>
         <p:nvPicPr>
-          <p:cNvPr id="12" name="Picture 11">
+          <p:cNvPr id="51" name="Picture 50">
             <a:extLst>
               <a:ext uri="{FF2B5EF4-FFF2-40B4-BE49-F238E27FC236}">
-                <a16:creationId xmlns:a16="http://schemas.microsoft.com/office/drawing/2014/main" id="{B0F01AE8-8A06-4CD9-8BAC-53A2FA9DD9B5}"/>
+                <a16:creationId xmlns:a16="http://schemas.microsoft.com/office/drawing/2014/main" id="{45C9CD48-735D-4F69-8E98-5DEF96534669}"/>
               </a:ext>
             </a:extLst>
           </p:cNvPr>
@@ -31095,12 +33229,8 @@
           <p:nvPr/>
         </p:nvPicPr>
         <p:blipFill>
-          <a:blip r:embed="rId4" cstate="print">
-            <a:extLst>
-              <a:ext uri="{28A0092B-C50C-407E-A947-70E740481C1C}">
-                <a14:useLocalDpi xmlns:a14="http://schemas.microsoft.com/office/drawing/2010/main" val="0"/>
-              </a:ext>
-            </a:extLst>
+          <a:blip r:embed="rId4">
+            <a:biLevel thresh="75000"/>
           </a:blip>
           <a:stretch>
             <a:fillRect/>
@@ -31108,8 +33238,8 @@
         </p:blipFill>
         <p:spPr>
           <a:xfrm>
-            <a:off x="2963479" y="1385144"/>
-            <a:ext cx="518655" cy="518655"/>
+            <a:off x="1785882" y="2292136"/>
+            <a:ext cx="292247" cy="206589"/>
           </a:xfrm>
           <a:prstGeom prst="rect">
             <a:avLst/>
@@ -31118,10 +33248,10 @@
       </p:pic>
       <p:pic>
         <p:nvPicPr>
-          <p:cNvPr id="13" name="Picture 12">
+          <p:cNvPr id="52" name="Picture 51">
             <a:extLst>
               <a:ext uri="{FF2B5EF4-FFF2-40B4-BE49-F238E27FC236}">
-                <a16:creationId xmlns:a16="http://schemas.microsoft.com/office/drawing/2014/main" id="{68BA690A-65B7-439D-BBDC-D630D9DA0E66}"/>
+                <a16:creationId xmlns:a16="http://schemas.microsoft.com/office/drawing/2014/main" id="{45C9CD48-735D-4F69-8E98-5DEF96534669}"/>
               </a:ext>
             </a:extLst>
           </p:cNvPr>
@@ -31131,19 +33261,8 @@
           <p:nvPr/>
         </p:nvPicPr>
         <p:blipFill>
-          <a:blip r:embed="rId5" cstate="print">
-            <a:duotone>
-              <a:srgbClr val="E7E6E6">
-                <a:shade val="45000"/>
-                <a:satMod val="135000"/>
-              </a:srgbClr>
-              <a:prstClr val="white"/>
-            </a:duotone>
-            <a:extLst>
-              <a:ext uri="{28A0092B-C50C-407E-A947-70E740481C1C}">
-                <a14:useLocalDpi xmlns:a14="http://schemas.microsoft.com/office/drawing/2010/main" val="0"/>
-              </a:ext>
-            </a:extLst>
+          <a:blip r:embed="rId4">
+            <a:biLevel thresh="75000"/>
           </a:blip>
           <a:stretch>
             <a:fillRect/>
@@ -31151,144 +33270,613 @@
         </p:blipFill>
         <p:spPr>
           <a:xfrm>
-            <a:off x="2039072" y="1276165"/>
-            <a:ext cx="448583" cy="469498"/>
+            <a:off x="3822553" y="2292136"/>
+            <a:ext cx="292247" cy="206589"/>
           </a:xfrm>
           <a:prstGeom prst="rect">
             <a:avLst/>
           </a:prstGeom>
         </p:spPr>
       </p:pic>
-      <p:pic>
-        <p:nvPicPr>
-          <p:cNvPr id="14" name="Picture 8">
-            <a:extLst>
-              <a:ext uri="{FF2B5EF4-FFF2-40B4-BE49-F238E27FC236}">
-                <a16:creationId xmlns:a16="http://schemas.microsoft.com/office/drawing/2014/main" id="{02DF60C6-6F5B-4048-BFE8-2FE165237B6D}"/>
-              </a:ext>
-            </a:extLst>
-          </p:cNvPr>
-          <p:cNvPicPr>
-            <a:picLocks noChangeAspect="1" noChangeArrowheads="1"/>
-          </p:cNvPicPr>
+      <p:sp>
+        <p:nvSpPr>
+          <p:cNvPr id="53" name="TextBox 52"/>
+          <p:cNvSpPr txBox="1"/>
           <p:nvPr/>
-        </p:nvPicPr>
-        <p:blipFill>
-          <a:blip r:embed="rId6" cstate="print">
-            <a:extLst>
-              <a:ext uri="{28A0092B-C50C-407E-A947-70E740481C1C}">
-                <a14:useLocalDpi xmlns:a14="http://schemas.microsoft.com/office/drawing/2010/main" val="0"/>
-              </a:ext>
-            </a:extLst>
-          </a:blip>
-          <a:srcRect/>
-          <a:stretch>
-            <a:fillRect/>
-          </a:stretch>
-        </p:blipFill>
-        <p:spPr bwMode="auto">
+        </p:nvSpPr>
+        <p:spPr>
           <a:xfrm>
-            <a:off x="5486400" y="1617335"/>
-            <a:ext cx="919163" cy="919163"/>
+            <a:off x="2654358" y="1563901"/>
+            <a:ext cx="916909" cy="646331"/>
           </a:xfrm>
           <a:prstGeom prst="rect">
             <a:avLst/>
           </a:prstGeom>
           <a:noFill/>
-          <a:extLst>
-            <a:ext uri="{909E8E84-426E-40DD-AFC4-6F175D3DCCD1}">
-              <a14:hiddenFill xmlns:a14="http://schemas.microsoft.com/office/drawing/2010/main">
-                <a:solidFill>
-                  <a:srgbClr val="FFFFFF"/>
-                </a:solidFill>
-              </a14:hiddenFill>
-            </a:ext>
-          </a:extLst>
         </p:spPr>
-      </p:pic>
-      <p:pic>
-        <p:nvPicPr>
-          <p:cNvPr id="15" name="Picture 14" descr="A close up of a logo&#10;&#10;Description automatically generated">
-            <a:extLst>
-              <a:ext uri="{FF2B5EF4-FFF2-40B4-BE49-F238E27FC236}">
-                <a16:creationId xmlns:a16="http://schemas.microsoft.com/office/drawing/2014/main" id="{08DDDEEE-4712-45B2-9C7E-212AD8A5492D}"/>
-              </a:ext>
-            </a:extLst>
-          </p:cNvPr>
-          <p:cNvPicPr>
-            <a:picLocks noChangeAspect="1"/>
-          </p:cNvPicPr>
+        <p:txBody>
+          <a:bodyPr wrap="square" rtlCol="0">
+            <a:spAutoFit/>
+          </a:bodyPr>
+          <a:lstStyle/>
+          <a:p>
+            <a:r>
+              <a:rPr lang="en-US" sz="1200" i="1" dirty="0" smtClean="0"/>
+              <a:t>Schedule</a:t>
+            </a:r>
+          </a:p>
+          <a:p>
+            <a:r>
+              <a:rPr lang="en-US" sz="1200" i="1" dirty="0" smtClean="0"/>
+              <a:t>Coordinate</a:t>
+            </a:r>
+          </a:p>
+          <a:p>
+            <a:r>
+              <a:rPr lang="en-US" sz="1200" i="1" dirty="0" smtClean="0"/>
+              <a:t>Aggregate</a:t>
+            </a:r>
+            <a:endParaRPr lang="en-SG" sz="1200" i="1" dirty="0"/>
+          </a:p>
+        </p:txBody>
+      </p:sp>
+      <p:sp>
+        <p:nvSpPr>
+          <p:cNvPr id="54" name="TextBox 53"/>
+          <p:cNvSpPr txBox="1"/>
           <p:nvPr/>
-        </p:nvPicPr>
-        <p:blipFill>
-          <a:blip r:embed="rId7" cstate="print">
-            <a:extLst>
-              <a:ext uri="{28A0092B-C50C-407E-A947-70E740481C1C}">
-                <a14:useLocalDpi xmlns:a14="http://schemas.microsoft.com/office/drawing/2010/main" val="0"/>
-              </a:ext>
-            </a:extLst>
-          </a:blip>
-          <a:stretch>
-            <a:fillRect/>
-          </a:stretch>
-        </p:blipFill>
+        </p:nvSpPr>
         <p:spPr>
           <a:xfrm>
-            <a:off x="2819400" y="3512284"/>
-            <a:ext cx="518656" cy="518656"/>
+            <a:off x="2318337" y="3641725"/>
+            <a:ext cx="916909" cy="677108"/>
           </a:xfrm>
           <a:prstGeom prst="rect">
             <a:avLst/>
           </a:prstGeom>
+          <a:noFill/>
         </p:spPr>
-      </p:pic>
-      <p:pic>
-        <p:nvPicPr>
-          <p:cNvPr id="16" name="Picture 15">
+        <p:txBody>
+          <a:bodyPr wrap="square" rtlCol="0">
+            <a:spAutoFit/>
+          </a:bodyPr>
+          <a:lstStyle/>
+          <a:p>
+            <a:r>
+              <a:rPr lang="en-US" sz="1400" b="1" i="1" dirty="0" smtClean="0"/>
+              <a:t>Clients</a:t>
+            </a:r>
+            <a:endParaRPr lang="en-US" sz="1200" b="1" i="1" dirty="0" smtClean="0"/>
+          </a:p>
+          <a:p>
+            <a:r>
+              <a:rPr lang="en-US" sz="1200" i="1" dirty="0" smtClean="0"/>
+              <a:t>Participate</a:t>
+            </a:r>
+          </a:p>
+          <a:p>
+            <a:r>
+              <a:rPr lang="en-US" sz="1200" i="1" dirty="0" smtClean="0"/>
+              <a:t>Update</a:t>
+            </a:r>
+            <a:endParaRPr lang="en-SG" sz="1200" i="1" dirty="0"/>
+          </a:p>
+        </p:txBody>
+      </p:sp>
+      <p:graphicFrame>
+        <p:nvGraphicFramePr>
+          <p:cNvPr id="56" name="Table 55">
             <a:extLst>
               <a:ext uri="{FF2B5EF4-FFF2-40B4-BE49-F238E27FC236}">
-                <a16:creationId xmlns:a16="http://schemas.microsoft.com/office/drawing/2014/main" id="{27FB7794-D08C-46C8-A86A-7069D06898BD}"/>
+                <a16:creationId xmlns:a16="http://schemas.microsoft.com/office/drawing/2014/main" id="{D0F258CA-255A-4F1C-9417-2D7CDD3E35E4}"/>
               </a:ext>
             </a:extLst>
           </p:cNvPr>
-          <p:cNvPicPr>
-            <a:picLocks noChangeAspect="1"/>
-          </p:cNvPicPr>
+          <p:cNvGraphicFramePr>
+            <a:graphicFrameLocks noGrp="1"/>
+          </p:cNvGraphicFramePr>
+          <p:nvPr>
+            <p:extLst>
+              <p:ext uri="{D42A27DB-BD31-4B8C-83A1-F6EECF244321}">
+                <p14:modId xmlns:p14="http://schemas.microsoft.com/office/powerpoint/2010/main" val="524512895"/>
+              </p:ext>
+            </p:extLst>
+          </p:nvPr>
+        </p:nvGraphicFramePr>
+        <p:xfrm>
+          <a:off x="4725435" y="3641725"/>
+          <a:ext cx="3749040" cy="1188720"/>
+        </p:xfrm>
+        <a:graphic>
+          <a:graphicData uri="http://schemas.openxmlformats.org/drawingml/2006/table">
+            <a:tbl>
+              <a:tblPr firstRow="1" bandRow="1">
+                <a:tableStyleId>{5C22544A-7EE6-4342-B048-85BDC9FD1C3A}</a:tableStyleId>
+              </a:tblPr>
+              <a:tblGrid>
+                <a:gridCol w="822960">
+                  <a:extLst>
+                    <a:ext uri="{9D8B030D-6E8A-4147-A177-3AD203B41FA5}">
+                      <a16:colId xmlns:a16="http://schemas.microsoft.com/office/drawing/2014/main" val="20000"/>
+                    </a:ext>
+                  </a:extLst>
+                </a:gridCol>
+                <a:gridCol w="1188720">
+                  <a:extLst>
+                    <a:ext uri="{9D8B030D-6E8A-4147-A177-3AD203B41FA5}">
+                      <a16:colId xmlns:a16="http://schemas.microsoft.com/office/drawing/2014/main" val="20002"/>
+                    </a:ext>
+                  </a:extLst>
+                </a:gridCol>
+                <a:gridCol w="1737360">
+                  <a:extLst>
+                    <a:ext uri="{9D8B030D-6E8A-4147-A177-3AD203B41FA5}">
+                      <a16:colId xmlns:a16="http://schemas.microsoft.com/office/drawing/2014/main" val="2621434228"/>
+                    </a:ext>
+                  </a:extLst>
+                </a:gridCol>
+              </a:tblGrid>
+              <a:tr h="365760">
+                <a:tc>
+                  <a:txBody>
+                    <a:bodyPr/>
+                    <a:lstStyle/>
+                    <a:p>
+                      <a:pPr algn="ctr"/>
+                      <a:r>
+                        <a:rPr lang="en-US" sz="1200" b="1" dirty="0" smtClean="0">
+                          <a:latin typeface="+mn-lt"/>
+                          <a:cs typeface="Arial" panose="020B0604020202020204" pitchFamily="34" charset="0"/>
+                        </a:rPr>
+                        <a:t>Algorithm</a:t>
+                      </a:r>
+                      <a:endParaRPr lang="en-US" sz="1200" b="1" dirty="0">
+                        <a:latin typeface="+mn-lt"/>
+                        <a:cs typeface="Arial" panose="020B0604020202020204" pitchFamily="34" charset="0"/>
+                      </a:endParaRPr>
+                    </a:p>
+                  </a:txBody>
+                  <a:tcPr>
+                    <a:solidFill>
+                      <a:srgbClr val="0070C0"/>
+                    </a:solidFill>
+                  </a:tcPr>
+                </a:tc>
+                <a:tc>
+                  <a:txBody>
+                    <a:bodyPr/>
+                    <a:lstStyle/>
+                    <a:p>
+                      <a:pPr algn="ctr"/>
+                      <a:r>
+                        <a:rPr lang="en-US" sz="1200" b="1" dirty="0" smtClean="0">
+                          <a:latin typeface="+mn-lt"/>
+                          <a:cs typeface="Arial" panose="020B0604020202020204" pitchFamily="34" charset="0"/>
+                        </a:rPr>
+                        <a:t>Local epoch (E)</a:t>
+                      </a:r>
+                      <a:endParaRPr lang="en-US" sz="1200" b="1" dirty="0">
+                        <a:latin typeface="+mn-lt"/>
+                        <a:cs typeface="Arial" panose="020B0604020202020204" pitchFamily="34" charset="0"/>
+                      </a:endParaRPr>
+                    </a:p>
+                  </a:txBody>
+                  <a:tcPr>
+                    <a:solidFill>
+                      <a:srgbClr val="0070C0"/>
+                    </a:solidFill>
+                  </a:tcPr>
+                </a:tc>
+                <a:tc>
+                  <a:txBody>
+                    <a:bodyPr/>
+                    <a:lstStyle/>
+                    <a:p>
+                      <a:pPr algn="ctr"/>
+                      <a:r>
+                        <a:rPr lang="en-US" sz="1200" b="1" dirty="0" smtClean="0">
+                          <a:latin typeface="+mn-lt"/>
+                          <a:cs typeface="Arial" panose="020B0604020202020204" pitchFamily="34" charset="0"/>
+                        </a:rPr>
+                        <a:t>Local batch</a:t>
+                      </a:r>
+                      <a:r>
+                        <a:rPr lang="en-US" sz="1200" b="1" baseline="0" dirty="0" smtClean="0">
+                          <a:latin typeface="+mn-lt"/>
+                          <a:cs typeface="Arial" panose="020B0604020202020204" pitchFamily="34" charset="0"/>
+                        </a:rPr>
+                        <a:t> size (</a:t>
+                      </a:r>
+                      <a:r>
+                        <a:rPr lang="en-US" sz="1200" b="1" dirty="0" smtClean="0">
+                          <a:latin typeface="+mn-lt"/>
+                          <a:cs typeface="Arial" panose="020B0604020202020204" pitchFamily="34" charset="0"/>
+                        </a:rPr>
+                        <a:t>B)</a:t>
+                      </a:r>
+                      <a:endParaRPr lang="en-US" sz="1200" b="1" dirty="0">
+                        <a:latin typeface="+mn-lt"/>
+                        <a:cs typeface="Arial" panose="020B0604020202020204" pitchFamily="34" charset="0"/>
+                      </a:endParaRPr>
+                    </a:p>
+                  </a:txBody>
+                  <a:tcPr>
+                    <a:solidFill>
+                      <a:srgbClr val="0070C0"/>
+                    </a:solidFill>
+                  </a:tcPr>
+                </a:tc>
+                <a:extLst>
+                  <a:ext uri="{0D108BD9-81ED-4DB2-BD59-A6C34878D82A}">
+                    <a16:rowId xmlns:a16="http://schemas.microsoft.com/office/drawing/2014/main" val="10000"/>
+                  </a:ext>
+                </a:extLst>
+              </a:tr>
+              <a:tr h="365760">
+                <a:tc>
+                  <a:txBody>
+                    <a:bodyPr/>
+                    <a:lstStyle/>
+                    <a:p>
+                      <a:pPr lvl="0" algn="ctr"/>
+                      <a:r>
+                        <a:rPr lang="en-US" sz="1200" b="1" dirty="0" err="1" smtClean="0">
+                          <a:solidFill>
+                            <a:schemeClr val="dk1"/>
+                          </a:solidFill>
+                          <a:effectLst/>
+                          <a:latin typeface="+mn-lt"/>
+                          <a:ea typeface="+mn-ea"/>
+                          <a:cs typeface="+mn-cs"/>
+                        </a:rPr>
+                        <a:t>FedSGD</a:t>
+                      </a:r>
+                      <a:endParaRPr lang="en-US" sz="1200" b="1" dirty="0">
+                        <a:solidFill>
+                          <a:schemeClr val="dk1"/>
+                        </a:solidFill>
+                        <a:effectLst/>
+                        <a:latin typeface="+mn-lt"/>
+                        <a:ea typeface="+mn-ea"/>
+                        <a:cs typeface="+mn-cs"/>
+                      </a:endParaRPr>
+                    </a:p>
+                  </a:txBody>
+                  <a:tcPr anchor="ctr"/>
+                </a:tc>
+                <a:tc>
+                  <a:txBody>
+                    <a:bodyPr/>
+                    <a:lstStyle/>
+                    <a:p>
+                      <a:pPr marL="0" marR="0" indent="0" algn="ctr" defTabSz="457200" rtl="0" eaLnBrk="1" fontAlgn="auto" latinLnBrk="0" hangingPunct="1">
+                        <a:lnSpc>
+                          <a:spcPct val="100000"/>
+                        </a:lnSpc>
+                        <a:spcBef>
+                          <a:spcPts val="0"/>
+                        </a:spcBef>
+                        <a:spcAft>
+                          <a:spcPts val="0"/>
+                        </a:spcAft>
+                        <a:buClrTx/>
+                        <a:buSzTx/>
+                        <a:buFontTx/>
+                        <a:buNone/>
+                        <a:tabLst/>
+                        <a:defRPr/>
+                      </a:pPr>
+                      <a:r>
+                        <a:rPr lang="en-US" sz="1200" dirty="0" smtClean="0">
+                          <a:solidFill>
+                            <a:schemeClr val="tx1">
+                              <a:lumMod val="85000"/>
+                              <a:lumOff val="15000"/>
+                            </a:schemeClr>
+                          </a:solidFill>
+                          <a:latin typeface="+mn-lt"/>
+                          <a:cs typeface="Arial" panose="020B0604020202020204" pitchFamily="34" charset="0"/>
+                        </a:rPr>
+                        <a:t>1</a:t>
+                      </a:r>
+                      <a:endParaRPr lang="en-US" sz="1200" dirty="0">
+                        <a:solidFill>
+                          <a:schemeClr val="tx1">
+                            <a:lumMod val="85000"/>
+                            <a:lumOff val="15000"/>
+                          </a:schemeClr>
+                        </a:solidFill>
+                        <a:latin typeface="+mn-lt"/>
+                        <a:cs typeface="Arial" panose="020B0604020202020204" pitchFamily="34" charset="0"/>
+                      </a:endParaRPr>
+                    </a:p>
+                  </a:txBody>
+                  <a:tcPr anchor="ctr"/>
+                </a:tc>
+                <a:tc>
+                  <a:txBody>
+                    <a:bodyPr/>
+                    <a:lstStyle/>
+                    <a:p>
+                      <a:pPr marL="0" marR="0" lvl="0" indent="0" algn="ctr" defTabSz="457200" rtl="0" eaLnBrk="1" fontAlgn="auto" latinLnBrk="0" hangingPunct="1">
+                        <a:lnSpc>
+                          <a:spcPct val="100000"/>
+                        </a:lnSpc>
+                        <a:spcBef>
+                          <a:spcPts val="0"/>
+                        </a:spcBef>
+                        <a:spcAft>
+                          <a:spcPts val="0"/>
+                        </a:spcAft>
+                        <a:buClrTx/>
+                        <a:buSzTx/>
+                        <a:buFont typeface="Arial" panose="020B0604020202020204" pitchFamily="34" charset="0"/>
+                        <a:buNone/>
+                        <a:tabLst/>
+                        <a:defRPr/>
+                      </a:pPr>
+                      <a:r>
+                        <a:rPr lang="en-US" sz="1200" dirty="0" smtClean="0">
+                          <a:solidFill>
+                            <a:schemeClr val="tx1">
+                              <a:lumMod val="85000"/>
+                              <a:lumOff val="15000"/>
+                            </a:schemeClr>
+                          </a:solidFill>
+                          <a:latin typeface="+mn-lt"/>
+                          <a:cs typeface="Arial" panose="020B0604020202020204" pitchFamily="34" charset="0"/>
+                        </a:rPr>
+                        <a:t>All of locally</a:t>
+                      </a:r>
+                      <a:r>
+                        <a:rPr lang="en-US" sz="1200" baseline="0" dirty="0" smtClean="0">
+                          <a:solidFill>
+                            <a:schemeClr val="tx1">
+                              <a:lumMod val="85000"/>
+                              <a:lumOff val="15000"/>
+                            </a:schemeClr>
+                          </a:solidFill>
+                          <a:latin typeface="+mn-lt"/>
+                          <a:cs typeface="Arial" panose="020B0604020202020204" pitchFamily="34" charset="0"/>
+                        </a:rPr>
+                        <a:t> stored data</a:t>
+                      </a:r>
+                      <a:endParaRPr lang="en-US" sz="1200" dirty="0">
+                        <a:solidFill>
+                          <a:schemeClr val="tx1">
+                            <a:lumMod val="85000"/>
+                            <a:lumOff val="15000"/>
+                          </a:schemeClr>
+                        </a:solidFill>
+                        <a:latin typeface="+mn-lt"/>
+                        <a:cs typeface="Arial" panose="020B0604020202020204" pitchFamily="34" charset="0"/>
+                      </a:endParaRPr>
+                    </a:p>
+                  </a:txBody>
+                  <a:tcPr anchor="ctr"/>
+                </a:tc>
+                <a:extLst>
+                  <a:ext uri="{0D108BD9-81ED-4DB2-BD59-A6C34878D82A}">
+                    <a16:rowId xmlns:a16="http://schemas.microsoft.com/office/drawing/2014/main" val="1352084283"/>
+                  </a:ext>
+                </a:extLst>
+              </a:tr>
+              <a:tr h="365760">
+                <a:tc>
+                  <a:txBody>
+                    <a:bodyPr/>
+                    <a:lstStyle/>
+                    <a:p>
+                      <a:pPr lvl="0" algn="ctr"/>
+                      <a:r>
+                        <a:rPr lang="en-US" sz="1200" b="1" dirty="0" err="1" smtClean="0">
+                          <a:solidFill>
+                            <a:schemeClr val="dk1"/>
+                          </a:solidFill>
+                          <a:effectLst/>
+                          <a:latin typeface="+mn-lt"/>
+                          <a:ea typeface="+mn-ea"/>
+                          <a:cs typeface="+mn-cs"/>
+                        </a:rPr>
+                        <a:t>FedAvg</a:t>
+                      </a:r>
+                      <a:endParaRPr lang="en-US" sz="1200" b="1" dirty="0">
+                        <a:solidFill>
+                          <a:schemeClr val="dk1"/>
+                        </a:solidFill>
+                        <a:effectLst/>
+                        <a:latin typeface="+mn-lt"/>
+                        <a:ea typeface="+mn-ea"/>
+                        <a:cs typeface="+mn-cs"/>
+                      </a:endParaRPr>
+                    </a:p>
+                  </a:txBody>
+                  <a:tcPr anchor="ctr"/>
+                </a:tc>
+                <a:tc>
+                  <a:txBody>
+                    <a:bodyPr/>
+                    <a:lstStyle/>
+                    <a:p>
+                      <a:pPr marL="0" marR="0" indent="0" algn="ctr" defTabSz="457200" rtl="0" eaLnBrk="1" fontAlgn="auto" latinLnBrk="0" hangingPunct="1">
+                        <a:lnSpc>
+                          <a:spcPct val="100000"/>
+                        </a:lnSpc>
+                        <a:spcBef>
+                          <a:spcPts val="0"/>
+                        </a:spcBef>
+                        <a:spcAft>
+                          <a:spcPts val="0"/>
+                        </a:spcAft>
+                        <a:buClrTx/>
+                        <a:buSzTx/>
+                        <a:buFontTx/>
+                        <a:buNone/>
+                        <a:tabLst/>
+                        <a:defRPr/>
+                      </a:pPr>
+                      <a:r>
+                        <a:rPr lang="en-US" sz="1200" dirty="0" smtClean="0">
+                          <a:solidFill>
+                            <a:schemeClr val="tx1">
+                              <a:lumMod val="85000"/>
+                              <a:lumOff val="15000"/>
+                            </a:schemeClr>
+                          </a:solidFill>
+                          <a:latin typeface="+mn-lt"/>
+                          <a:cs typeface="Arial" panose="020B0604020202020204" pitchFamily="34" charset="0"/>
+                        </a:rPr>
+                        <a:t>&gt;1</a:t>
+                      </a:r>
+                      <a:endParaRPr lang="en-US" sz="1200" dirty="0">
+                        <a:solidFill>
+                          <a:schemeClr val="tx1">
+                            <a:lumMod val="85000"/>
+                            <a:lumOff val="15000"/>
+                          </a:schemeClr>
+                        </a:solidFill>
+                        <a:latin typeface="+mn-lt"/>
+                        <a:cs typeface="Arial" panose="020B0604020202020204" pitchFamily="34" charset="0"/>
+                      </a:endParaRPr>
+                    </a:p>
+                  </a:txBody>
+                  <a:tcPr anchor="ctr"/>
+                </a:tc>
+                <a:tc>
+                  <a:txBody>
+                    <a:bodyPr/>
+                    <a:lstStyle/>
+                    <a:p>
+                      <a:pPr marL="0" marR="0" lvl="0" indent="0" algn="ctr" defTabSz="457200" rtl="0" eaLnBrk="1" fontAlgn="auto" latinLnBrk="0" hangingPunct="1">
+                        <a:lnSpc>
+                          <a:spcPct val="100000"/>
+                        </a:lnSpc>
+                        <a:spcBef>
+                          <a:spcPts val="0"/>
+                        </a:spcBef>
+                        <a:spcAft>
+                          <a:spcPts val="0"/>
+                        </a:spcAft>
+                        <a:buClrTx/>
+                        <a:buSzTx/>
+                        <a:buFont typeface="Arial" panose="020B0604020202020204" pitchFamily="34" charset="0"/>
+                        <a:buNone/>
+                        <a:tabLst/>
+                        <a:defRPr/>
+                      </a:pPr>
+                      <a:r>
+                        <a:rPr lang="en-US" sz="1200" dirty="0" smtClean="0">
+                          <a:solidFill>
+                            <a:schemeClr val="tx1">
+                              <a:lumMod val="85000"/>
+                              <a:lumOff val="15000"/>
+                            </a:schemeClr>
+                          </a:solidFill>
+                          <a:latin typeface="+mn-lt"/>
+                          <a:cs typeface="Arial" panose="020B0604020202020204" pitchFamily="34" charset="0"/>
+                        </a:rPr>
+                        <a:t>Less than number of local data</a:t>
+                      </a:r>
+                      <a:endParaRPr lang="en-US" sz="1200" dirty="0">
+                        <a:solidFill>
+                          <a:schemeClr val="tx1">
+                            <a:lumMod val="85000"/>
+                            <a:lumOff val="15000"/>
+                          </a:schemeClr>
+                        </a:solidFill>
+                        <a:latin typeface="+mn-lt"/>
+                        <a:cs typeface="Arial" panose="020B0604020202020204" pitchFamily="34" charset="0"/>
+                      </a:endParaRPr>
+                    </a:p>
+                  </a:txBody>
+                  <a:tcPr anchor="ctr"/>
+                </a:tc>
+                <a:extLst>
+                  <a:ext uri="{0D108BD9-81ED-4DB2-BD59-A6C34878D82A}">
+                    <a16:rowId xmlns:a16="http://schemas.microsoft.com/office/drawing/2014/main" val="10004"/>
+                  </a:ext>
+                </a:extLst>
+              </a:tr>
+            </a:tbl>
+          </a:graphicData>
+        </a:graphic>
+      </p:graphicFrame>
+      <p:sp>
+        <p:nvSpPr>
+          <p:cNvPr id="57" name="TextBox 56"/>
+          <p:cNvSpPr txBox="1"/>
           <p:nvPr/>
-        </p:nvPicPr>
-        <p:blipFill>
-          <a:blip r:embed="rId8" cstate="print">
-            <a:clrChange>
-              <a:clrFrom>
-                <a:srgbClr val="FFFFFF"/>
-              </a:clrFrom>
-              <a:clrTo>
-                <a:srgbClr val="FFFFFF">
-                  <a:alpha val="0"/>
-                </a:srgbClr>
-              </a:clrTo>
-            </a:clrChange>
-            <a:biLevel thresh="75000"/>
-            <a:extLst>
-              <a:ext uri="{28A0092B-C50C-407E-A947-70E740481C1C}">
-                <a14:useLocalDpi xmlns:a14="http://schemas.microsoft.com/office/drawing/2010/main" val="0"/>
-              </a:ext>
-            </a:extLst>
-          </a:blip>
-          <a:stretch>
-            <a:fillRect/>
-          </a:stretch>
-        </p:blipFill>
+        </p:nvSpPr>
         <p:spPr>
-          <a:xfrm rot="16200000">
-            <a:off x="7722209" y="1067263"/>
-            <a:ext cx="1505155" cy="761673"/>
+          <a:xfrm>
+            <a:off x="7010400" y="1053550"/>
+            <a:ext cx="1905000" cy="1600438"/>
           </a:xfrm>
           <a:prstGeom prst="rect">
             <a:avLst/>
           </a:prstGeom>
+          <a:noFill/>
         </p:spPr>
-      </p:pic>
+        <p:txBody>
+          <a:bodyPr wrap="square" rtlCol="0">
+            <a:spAutoFit/>
+          </a:bodyPr>
+          <a:lstStyle/>
+          <a:p>
+            <a:r>
+              <a:rPr lang="en-US" sz="1400" b="1" dirty="0" smtClean="0">
+                <a:solidFill>
+                  <a:srgbClr val="006DB4"/>
+                </a:solidFill>
+              </a:rPr>
+              <a:t>Three key FL parameters:</a:t>
+            </a:r>
+          </a:p>
+          <a:p>
+            <a:pPr marL="182880" indent="-182880">
+              <a:buFont typeface="+mj-lt"/>
+              <a:buAutoNum type="arabicPeriod"/>
+            </a:pPr>
+            <a:r>
+              <a:rPr lang="en-US" sz="1400" dirty="0" smtClean="0"/>
+              <a:t>Fraction of client </a:t>
+            </a:r>
+            <a:r>
+              <a:rPr lang="en-US" sz="1400" b="1" dirty="0" smtClean="0"/>
+              <a:t>(C)</a:t>
+            </a:r>
+          </a:p>
+          <a:p>
+            <a:pPr marL="182880" indent="-182880">
+              <a:buFont typeface="+mj-lt"/>
+              <a:buAutoNum type="arabicPeriod"/>
+            </a:pPr>
+            <a:r>
+              <a:rPr lang="en-US" sz="1400" dirty="0" smtClean="0"/>
+              <a:t>Number of local epoch </a:t>
+            </a:r>
+            <a:r>
+              <a:rPr lang="en-US" sz="1400" b="1" dirty="0" smtClean="0"/>
+              <a:t>(E)</a:t>
+            </a:r>
+          </a:p>
+          <a:p>
+            <a:pPr marL="182880" indent="-182880">
+              <a:buFont typeface="+mj-lt"/>
+              <a:buAutoNum type="arabicPeriod"/>
+            </a:pPr>
+            <a:r>
+              <a:rPr lang="en-US" sz="1400" dirty="0" smtClean="0"/>
+              <a:t>Number of local batch size </a:t>
+            </a:r>
+            <a:r>
+              <a:rPr lang="en-US" sz="1400" b="1" dirty="0" smtClean="0"/>
+              <a:t>(B)</a:t>
+            </a:r>
+            <a:endParaRPr lang="en-SG" sz="1400" b="1" dirty="0"/>
+          </a:p>
+        </p:txBody>
+      </p:sp>
     </p:spTree>
     <p:extLst>
       <p:ext uri="{BB962C8B-B14F-4D97-AF65-F5344CB8AC3E}">
@@ -31427,41 +34015,6 @@
                                         </p:tav>
                                       </p:tavLst>
                                     </p:anim>
-                                  </p:childTnLst>
-                                </p:cTn>
-                              </p:par>
-                              <p:par>
-                                <p:cTn id="11" presetID="10" presetClass="entr" presetSubtype="0" fill="hold" nodeType="withEffect">
-                                  <p:stCondLst>
-                                    <p:cond delay="0"/>
-                                  </p:stCondLst>
-                                  <p:childTnLst>
-                                    <p:set>
-                                      <p:cBhvr>
-                                        <p:cTn id="12" dur="1" fill="hold">
-                                          <p:stCondLst>
-                                            <p:cond delay="0"/>
-                                          </p:stCondLst>
-                                        </p:cTn>
-                                        <p:tgtEl>
-                                          <p:spTgt spid="16"/>
-                                        </p:tgtEl>
-                                        <p:attrNameLst>
-                                          <p:attrName>style.visibility</p:attrName>
-                                        </p:attrNameLst>
-                                      </p:cBhvr>
-                                      <p:to>
-                                        <p:strVal val="visible"/>
-                                      </p:to>
-                                    </p:set>
-                                    <p:animEffect transition="in" filter="fade">
-                                      <p:cBhvr>
-                                        <p:cTn id="13" dur="500"/>
-                                        <p:tgtEl>
-                                          <p:spTgt spid="16"/>
-                                        </p:tgtEl>
-                                      </p:cBhvr>
-                                    </p:animEffect>
                                   </p:childTnLst>
                                 </p:cTn>
                               </p:par>
